--- a/Presentation POO Java.pptx
+++ b/Presentation POO Java.pptx
@@ -4,10 +4,17 @@
   <p:sldMasterIdLst>
     <p:sldMasterId id="2147483774" r:id="rId1"/>
   </p:sldMasterIdLst>
+  <p:notesMasterIdLst>
+    <p:notesMasterId r:id="rId9"/>
+  </p:notesMasterIdLst>
   <p:sldIdLst>
     <p:sldId id="256" r:id="rId2"/>
     <p:sldId id="257" r:id="rId3"/>
     <p:sldId id="258" r:id="rId4"/>
+    <p:sldId id="259" r:id="rId5"/>
+    <p:sldId id="260" r:id="rId6"/>
+    <p:sldId id="261" r:id="rId7"/>
+    <p:sldId id="262" r:id="rId8"/>
   </p:sldIdLst>
   <p:sldSz cx="12192000" cy="6858000"/>
   <p:notesSz cx="6858000" cy="9144000"/>
@@ -106,7 +113,362 @@
       </a:defRPr>
     </a:lvl9pPr>
   </p:defaultTextStyle>
+  <p:extLst>
+    <p:ext uri="{EFAFB233-063F-42B5-8137-9DF3F51BA10A}">
+      <p15:sldGuideLst xmlns:p15="http://schemas.microsoft.com/office/powerpoint/2012/main"/>
+    </p:ext>
+  </p:extLst>
 </p:presentation>
+</file>
+
+<file path=ppt/notesMasters/notesMaster1.xml><?xml version="1.0" encoding="utf-8"?>
+<p:notesMaster xmlns:a="http://schemas.openxmlformats.org/drawingml/2006/main" xmlns:r="http://schemas.openxmlformats.org/officeDocument/2006/relationships" xmlns:p="http://schemas.openxmlformats.org/presentationml/2006/main">
+  <p:cSld>
+    <p:bg>
+      <p:bgRef idx="1001">
+        <a:schemeClr val="bg1"/>
+      </p:bgRef>
+    </p:bg>
+    <p:spTree>
+      <p:nvGrpSpPr>
+        <p:cNvPr id="1" name=""/>
+        <p:cNvGrpSpPr/>
+        <p:nvPr/>
+      </p:nvGrpSpPr>
+      <p:grpSpPr>
+        <a:xfrm>
+          <a:off x="0" y="0"/>
+          <a:ext cx="0" cy="0"/>
+          <a:chOff x="0" y="0"/>
+          <a:chExt cx="0" cy="0"/>
+        </a:xfrm>
+      </p:grpSpPr>
+      <p:sp>
+        <p:nvSpPr>
+          <p:cNvPr id="2" name="Espace réservé de l’en-tête 1"/>
+          <p:cNvSpPr>
+            <a:spLocks noGrp="1"/>
+          </p:cNvSpPr>
+          <p:nvPr>
+            <p:ph type="hdr" sz="quarter"/>
+          </p:nvPr>
+        </p:nvSpPr>
+        <p:spPr>
+          <a:xfrm>
+            <a:off x="0" y="0"/>
+            <a:ext cx="2971800" cy="458788"/>
+          </a:xfrm>
+          <a:prstGeom prst="rect">
+            <a:avLst/>
+          </a:prstGeom>
+        </p:spPr>
+        <p:txBody>
+          <a:bodyPr vert="horz" lIns="91440" tIns="45720" rIns="91440" bIns="45720" rtlCol="0"/>
+          <a:lstStyle>
+            <a:lvl1pPr algn="l">
+              <a:defRPr sz="1200"/>
+            </a:lvl1pPr>
+          </a:lstStyle>
+          <a:p>
+            <a:endParaRPr lang="fr-FR"/>
+          </a:p>
+        </p:txBody>
+      </p:sp>
+      <p:sp>
+        <p:nvSpPr>
+          <p:cNvPr id="3" name="Espace réservé de la date 2"/>
+          <p:cNvSpPr>
+            <a:spLocks noGrp="1"/>
+          </p:cNvSpPr>
+          <p:nvPr>
+            <p:ph type="dt" idx="1"/>
+          </p:nvPr>
+        </p:nvSpPr>
+        <p:spPr>
+          <a:xfrm>
+            <a:off x="3884613" y="0"/>
+            <a:ext cx="2971800" cy="458788"/>
+          </a:xfrm>
+          <a:prstGeom prst="rect">
+            <a:avLst/>
+          </a:prstGeom>
+        </p:spPr>
+        <p:txBody>
+          <a:bodyPr vert="horz" lIns="91440" tIns="45720" rIns="91440" bIns="45720" rtlCol="0"/>
+          <a:lstStyle>
+            <a:lvl1pPr algn="r">
+              <a:defRPr sz="1200"/>
+            </a:lvl1pPr>
+          </a:lstStyle>
+          <a:p>
+            <a:fld id="{CFC5429D-8CC0-BB41-9BEF-37A87B9448C6}" type="datetimeFigureOut">
+              <a:rPr lang="fr-FR" smtClean="0"/>
+              <a:t>05/06/2019</a:t>
+            </a:fld>
+            <a:endParaRPr lang="fr-FR"/>
+          </a:p>
+        </p:txBody>
+      </p:sp>
+      <p:sp>
+        <p:nvSpPr>
+          <p:cNvPr id="4" name="Espace réservé de l’image des diapositives 3"/>
+          <p:cNvSpPr>
+            <a:spLocks noGrp="1" noRot="1" noChangeAspect="1"/>
+          </p:cNvSpPr>
+          <p:nvPr>
+            <p:ph type="sldImg" idx="2"/>
+          </p:nvPr>
+        </p:nvSpPr>
+        <p:spPr>
+          <a:xfrm>
+            <a:off x="685800" y="1143000"/>
+            <a:ext cx="5486400" cy="3086100"/>
+          </a:xfrm>
+          <a:prstGeom prst="rect">
+            <a:avLst/>
+          </a:prstGeom>
+          <a:noFill/>
+          <a:ln w="12700">
+            <a:solidFill>
+              <a:prstClr val="black"/>
+            </a:solidFill>
+          </a:ln>
+        </p:spPr>
+        <p:txBody>
+          <a:bodyPr vert="horz" lIns="91440" tIns="45720" rIns="91440" bIns="45720" rtlCol="0" anchor="ctr"/>
+          <a:lstStyle/>
+          <a:p>
+            <a:endParaRPr lang="fr-FR"/>
+          </a:p>
+        </p:txBody>
+      </p:sp>
+      <p:sp>
+        <p:nvSpPr>
+          <p:cNvPr id="5" name="Espace réservé des commentaires 4"/>
+          <p:cNvSpPr>
+            <a:spLocks noGrp="1"/>
+          </p:cNvSpPr>
+          <p:nvPr>
+            <p:ph type="body" sz="quarter" idx="3"/>
+          </p:nvPr>
+        </p:nvSpPr>
+        <p:spPr>
+          <a:xfrm>
+            <a:off x="685800" y="4400550"/>
+            <a:ext cx="5486400" cy="3600450"/>
+          </a:xfrm>
+          <a:prstGeom prst="rect">
+            <a:avLst/>
+          </a:prstGeom>
+        </p:spPr>
+        <p:txBody>
+          <a:bodyPr vert="horz" lIns="91440" tIns="45720" rIns="91440" bIns="45720" rtlCol="0"/>
+          <a:lstStyle/>
+          <a:p>
+            <a:pPr lvl="0"/>
+            <a:r>
+              <a:rPr lang="fr-FR" smtClean="0"/>
+              <a:t>Cliquez pour modifier les styles du texte du masque</a:t>
+            </a:r>
+          </a:p>
+          <a:p>
+            <a:pPr lvl="1"/>
+            <a:r>
+              <a:rPr lang="fr-FR" smtClean="0"/>
+              <a:t>Deuxième niveau</a:t>
+            </a:r>
+          </a:p>
+          <a:p>
+            <a:pPr lvl="2"/>
+            <a:r>
+              <a:rPr lang="fr-FR" smtClean="0"/>
+              <a:t>Troisième niveau</a:t>
+            </a:r>
+          </a:p>
+          <a:p>
+            <a:pPr lvl="3"/>
+            <a:r>
+              <a:rPr lang="fr-FR" smtClean="0"/>
+              <a:t>Quatrième niveau</a:t>
+            </a:r>
+          </a:p>
+          <a:p>
+            <a:pPr lvl="4"/>
+            <a:r>
+              <a:rPr lang="fr-FR" smtClean="0"/>
+              <a:t>Cinquième niveau</a:t>
+            </a:r>
+            <a:endParaRPr lang="fr-FR"/>
+          </a:p>
+        </p:txBody>
+      </p:sp>
+      <p:sp>
+        <p:nvSpPr>
+          <p:cNvPr id="6" name="Espace réservé du pied de page 5"/>
+          <p:cNvSpPr>
+            <a:spLocks noGrp="1"/>
+          </p:cNvSpPr>
+          <p:nvPr>
+            <p:ph type="ftr" sz="quarter" idx="4"/>
+          </p:nvPr>
+        </p:nvSpPr>
+        <p:spPr>
+          <a:xfrm>
+            <a:off x="0" y="8685213"/>
+            <a:ext cx="2971800" cy="458787"/>
+          </a:xfrm>
+          <a:prstGeom prst="rect">
+            <a:avLst/>
+          </a:prstGeom>
+        </p:spPr>
+        <p:txBody>
+          <a:bodyPr vert="horz" lIns="91440" tIns="45720" rIns="91440" bIns="45720" rtlCol="0" anchor="b"/>
+          <a:lstStyle>
+            <a:lvl1pPr algn="l">
+              <a:defRPr sz="1200"/>
+            </a:lvl1pPr>
+          </a:lstStyle>
+          <a:p>
+            <a:endParaRPr lang="fr-FR"/>
+          </a:p>
+        </p:txBody>
+      </p:sp>
+      <p:sp>
+        <p:nvSpPr>
+          <p:cNvPr id="7" name="Espace réservé du numéro de diapositive 6"/>
+          <p:cNvSpPr>
+            <a:spLocks noGrp="1"/>
+          </p:cNvSpPr>
+          <p:nvPr>
+            <p:ph type="sldNum" sz="quarter" idx="5"/>
+          </p:nvPr>
+        </p:nvSpPr>
+        <p:spPr>
+          <a:xfrm>
+            <a:off x="3884613" y="8685213"/>
+            <a:ext cx="2971800" cy="458787"/>
+          </a:xfrm>
+          <a:prstGeom prst="rect">
+            <a:avLst/>
+          </a:prstGeom>
+        </p:spPr>
+        <p:txBody>
+          <a:bodyPr vert="horz" lIns="91440" tIns="45720" rIns="91440" bIns="45720" rtlCol="0" anchor="b"/>
+          <a:lstStyle>
+            <a:lvl1pPr algn="r">
+              <a:defRPr sz="1200"/>
+            </a:lvl1pPr>
+          </a:lstStyle>
+          <a:p>
+            <a:fld id="{47B25834-0463-DA43-9889-620F048CBCAE}" type="slidenum">
+              <a:rPr lang="fr-FR" smtClean="0"/>
+              <a:t>‹#›</a:t>
+            </a:fld>
+            <a:endParaRPr lang="fr-FR"/>
+          </a:p>
+        </p:txBody>
+      </p:sp>
+    </p:spTree>
+    <p:extLst>
+      <p:ext uri="{BB962C8B-B14F-4D97-AF65-F5344CB8AC3E}">
+        <p14:creationId xmlns:p14="http://schemas.microsoft.com/office/powerpoint/2010/main" val="813781457"/>
+      </p:ext>
+    </p:extLst>
+  </p:cSld>
+  <p:clrMap bg1="lt1" tx1="dk1" bg2="lt2" tx2="dk2" accent1="accent1" accent2="accent2" accent3="accent3" accent4="accent4" accent5="accent5" accent6="accent6" hlink="hlink" folHlink="folHlink"/>
+  <p:notesStyle>
+    <a:lvl1pPr marL="0" algn="l" defTabSz="914400" rtl="0" eaLnBrk="1" latinLnBrk="0" hangingPunct="1">
+      <a:defRPr sz="1200" kern="1200">
+        <a:solidFill>
+          <a:schemeClr val="tx1"/>
+        </a:solidFill>
+        <a:latin typeface="+mn-lt"/>
+        <a:ea typeface="+mn-ea"/>
+        <a:cs typeface="+mn-cs"/>
+      </a:defRPr>
+    </a:lvl1pPr>
+    <a:lvl2pPr marL="457200" algn="l" defTabSz="914400" rtl="0" eaLnBrk="1" latinLnBrk="0" hangingPunct="1">
+      <a:defRPr sz="1200" kern="1200">
+        <a:solidFill>
+          <a:schemeClr val="tx1"/>
+        </a:solidFill>
+        <a:latin typeface="+mn-lt"/>
+        <a:ea typeface="+mn-ea"/>
+        <a:cs typeface="+mn-cs"/>
+      </a:defRPr>
+    </a:lvl2pPr>
+    <a:lvl3pPr marL="914400" algn="l" defTabSz="914400" rtl="0" eaLnBrk="1" latinLnBrk="0" hangingPunct="1">
+      <a:defRPr sz="1200" kern="1200">
+        <a:solidFill>
+          <a:schemeClr val="tx1"/>
+        </a:solidFill>
+        <a:latin typeface="+mn-lt"/>
+        <a:ea typeface="+mn-ea"/>
+        <a:cs typeface="+mn-cs"/>
+      </a:defRPr>
+    </a:lvl3pPr>
+    <a:lvl4pPr marL="1371600" algn="l" defTabSz="914400" rtl="0" eaLnBrk="1" latinLnBrk="0" hangingPunct="1">
+      <a:defRPr sz="1200" kern="1200">
+        <a:solidFill>
+          <a:schemeClr val="tx1"/>
+        </a:solidFill>
+        <a:latin typeface="+mn-lt"/>
+        <a:ea typeface="+mn-ea"/>
+        <a:cs typeface="+mn-cs"/>
+      </a:defRPr>
+    </a:lvl4pPr>
+    <a:lvl5pPr marL="1828800" algn="l" defTabSz="914400" rtl="0" eaLnBrk="1" latinLnBrk="0" hangingPunct="1">
+      <a:defRPr sz="1200" kern="1200">
+        <a:solidFill>
+          <a:schemeClr val="tx1"/>
+        </a:solidFill>
+        <a:latin typeface="+mn-lt"/>
+        <a:ea typeface="+mn-ea"/>
+        <a:cs typeface="+mn-cs"/>
+      </a:defRPr>
+    </a:lvl5pPr>
+    <a:lvl6pPr marL="2286000" algn="l" defTabSz="914400" rtl="0" eaLnBrk="1" latinLnBrk="0" hangingPunct="1">
+      <a:defRPr sz="1200" kern="1200">
+        <a:solidFill>
+          <a:schemeClr val="tx1"/>
+        </a:solidFill>
+        <a:latin typeface="+mn-lt"/>
+        <a:ea typeface="+mn-ea"/>
+        <a:cs typeface="+mn-cs"/>
+      </a:defRPr>
+    </a:lvl6pPr>
+    <a:lvl7pPr marL="2743200" algn="l" defTabSz="914400" rtl="0" eaLnBrk="1" latinLnBrk="0" hangingPunct="1">
+      <a:defRPr sz="1200" kern="1200">
+        <a:solidFill>
+          <a:schemeClr val="tx1"/>
+        </a:solidFill>
+        <a:latin typeface="+mn-lt"/>
+        <a:ea typeface="+mn-ea"/>
+        <a:cs typeface="+mn-cs"/>
+      </a:defRPr>
+    </a:lvl7pPr>
+    <a:lvl8pPr marL="3200400" algn="l" defTabSz="914400" rtl="0" eaLnBrk="1" latinLnBrk="0" hangingPunct="1">
+      <a:defRPr sz="1200" kern="1200">
+        <a:solidFill>
+          <a:schemeClr val="tx1"/>
+        </a:solidFill>
+        <a:latin typeface="+mn-lt"/>
+        <a:ea typeface="+mn-ea"/>
+        <a:cs typeface="+mn-cs"/>
+      </a:defRPr>
+    </a:lvl8pPr>
+    <a:lvl9pPr marL="3657600" algn="l" defTabSz="914400" rtl="0" eaLnBrk="1" latinLnBrk="0" hangingPunct="1">
+      <a:defRPr sz="1200" kern="1200">
+        <a:solidFill>
+          <a:schemeClr val="tx1"/>
+        </a:solidFill>
+        <a:latin typeface="+mn-lt"/>
+        <a:ea typeface="+mn-ea"/>
+        <a:cs typeface="+mn-cs"/>
+      </a:defRPr>
+    </a:lvl9pPr>
+  </p:notesStyle>
+</p:notesMaster>
 </file>
 
 <file path=ppt/slideLayouts/slideLayout1.xml><?xml version="1.0" encoding="utf-8"?>
@@ -272,7 +634,7 @@
           <a:p>
             <a:fld id="{929B6379-BAE7-4A45-ABE9-3E88C2B55842}" type="datetimeFigureOut">
               <a:rPr lang="fr-FR" smtClean="0"/>
-              <a:t>04/06/2019</a:t>
+              <a:t>05/06/2019</a:t>
             </a:fld>
             <a:endParaRPr lang="fr-FR"/>
           </a:p>
@@ -437,7 +799,7 @@
           <a:p>
             <a:fld id="{929B6379-BAE7-4A45-ABE9-3E88C2B55842}" type="datetimeFigureOut">
               <a:rPr lang="fr-FR" smtClean="0"/>
-              <a:t>04/06/2019</a:t>
+              <a:t>05/06/2019</a:t>
             </a:fld>
             <a:endParaRPr lang="fr-FR"/>
           </a:p>
@@ -612,7 +974,7 @@
           <a:p>
             <a:fld id="{929B6379-BAE7-4A45-ABE9-3E88C2B55842}" type="datetimeFigureOut">
               <a:rPr lang="fr-FR" smtClean="0"/>
-              <a:t>04/06/2019</a:t>
+              <a:t>05/06/2019</a:t>
             </a:fld>
             <a:endParaRPr lang="fr-FR"/>
           </a:p>
@@ -777,7 +1139,7 @@
           <a:p>
             <a:fld id="{929B6379-BAE7-4A45-ABE9-3E88C2B55842}" type="datetimeFigureOut">
               <a:rPr lang="fr-FR" smtClean="0"/>
-              <a:t>04/06/2019</a:t>
+              <a:t>05/06/2019</a:t>
             </a:fld>
             <a:endParaRPr lang="fr-FR"/>
           </a:p>
@@ -1040,7 +1402,7 @@
           <a:p>
             <a:fld id="{929B6379-BAE7-4A45-ABE9-3E88C2B55842}" type="datetimeFigureOut">
               <a:rPr lang="fr-FR" smtClean="0"/>
-              <a:t>04/06/2019</a:t>
+              <a:t>05/06/2019</a:t>
             </a:fld>
             <a:endParaRPr lang="fr-FR"/>
           </a:p>
@@ -1267,7 +1629,7 @@
           <a:p>
             <a:fld id="{929B6379-BAE7-4A45-ABE9-3E88C2B55842}" type="datetimeFigureOut">
               <a:rPr lang="fr-FR" smtClean="0"/>
-              <a:t>04/06/2019</a:t>
+              <a:t>05/06/2019</a:t>
             </a:fld>
             <a:endParaRPr lang="fr-FR"/>
           </a:p>
@@ -1621,7 +1983,7 @@
           <a:p>
             <a:fld id="{929B6379-BAE7-4A45-ABE9-3E88C2B55842}" type="datetimeFigureOut">
               <a:rPr lang="fr-FR" smtClean="0"/>
-              <a:t>04/06/2019</a:t>
+              <a:t>05/06/2019</a:t>
             </a:fld>
             <a:endParaRPr lang="fr-FR"/>
           </a:p>
@@ -1757,7 +2119,7 @@
           <a:p>
             <a:fld id="{929B6379-BAE7-4A45-ABE9-3E88C2B55842}" type="datetimeFigureOut">
               <a:rPr lang="fr-FR" smtClean="0"/>
-              <a:t>04/06/2019</a:t>
+              <a:t>05/06/2019</a:t>
             </a:fld>
             <a:endParaRPr lang="fr-FR"/>
           </a:p>
@@ -1847,7 +2209,7 @@
           <a:p>
             <a:fld id="{929B6379-BAE7-4A45-ABE9-3E88C2B55842}" type="datetimeFigureOut">
               <a:rPr lang="fr-FR" smtClean="0"/>
-              <a:t>04/06/2019</a:t>
+              <a:t>05/06/2019</a:t>
             </a:fld>
             <a:endParaRPr lang="fr-FR"/>
           </a:p>
@@ -2199,7 +2561,7 @@
           <a:p>
             <a:fld id="{929B6379-BAE7-4A45-ABE9-3E88C2B55842}" type="datetimeFigureOut">
               <a:rPr lang="fr-FR" smtClean="0"/>
-              <a:t>04/06/2019</a:t>
+              <a:t>05/06/2019</a:t>
             </a:fld>
             <a:endParaRPr lang="fr-FR"/>
           </a:p>
@@ -2551,7 +2913,7 @@
           <a:p>
             <a:fld id="{929B6379-BAE7-4A45-ABE9-3E88C2B55842}" type="datetimeFigureOut">
               <a:rPr lang="fr-FR" smtClean="0"/>
-              <a:t>04/06/2019</a:t>
+              <a:t>05/06/2019</a:t>
             </a:fld>
             <a:endParaRPr lang="fr-FR"/>
           </a:p>
@@ -2787,7 +3149,7 @@
           <a:p>
             <a:fld id="{929B6379-BAE7-4A45-ABE9-3E88C2B55842}" type="datetimeFigureOut">
               <a:rPr lang="fr-FR" smtClean="0"/>
-              <a:t>04/06/2019</a:t>
+              <a:t>05/06/2019</a:t>
             </a:fld>
             <a:endParaRPr lang="fr-FR"/>
           </a:p>
@@ -3823,7 +4185,7 @@
         </p:nvSpPr>
         <p:spPr>
           <a:xfrm>
-            <a:off x="1" y="0"/>
+            <a:off x="3878827" y="4999701"/>
             <a:ext cx="3878826" cy="1297858"/>
           </a:xfrm>
           <a:prstGeom prst="rect">
@@ -3863,8 +4225,8 @@
         </p:nvSpPr>
         <p:spPr>
           <a:xfrm>
-            <a:off x="3878828" y="0"/>
-            <a:ext cx="4100050" cy="1297858"/>
+            <a:off x="3878827" y="1401718"/>
+            <a:ext cx="3878825" cy="1297858"/>
           </a:xfrm>
           <a:prstGeom prst="rect">
             <a:avLst/>
@@ -3903,8 +4265,8 @@
         </p:nvSpPr>
         <p:spPr>
           <a:xfrm>
-            <a:off x="7978877" y="0"/>
-            <a:ext cx="4213123" cy="1297858"/>
+            <a:off x="3878827" y="3170902"/>
+            <a:ext cx="3878825" cy="1297858"/>
           </a:xfrm>
           <a:prstGeom prst="rect">
             <a:avLst/>
@@ -3943,7 +4305,7 @@
         </p:nvSpPr>
         <p:spPr>
           <a:xfrm>
-            <a:off x="737419" y="501445"/>
+            <a:off x="4461387" y="1836174"/>
             <a:ext cx="2713704" cy="369332"/>
           </a:xfrm>
           <a:prstGeom prst="rect">
@@ -3957,11 +4319,12 @@
           </a:bodyPr>
           <a:lstStyle/>
           <a:p>
-            <a:r>
-              <a:rPr lang="fr-FR" smtClean="0"/>
-              <a:t>Recherche D’Information</a:t>
-            </a:r>
-            <a:endParaRPr lang="fr-FR"/>
+            <a:pPr algn="ctr"/>
+            <a:r>
+              <a:rPr lang="fr-FR" dirty="0" err="1" smtClean="0"/>
+              <a:t>Eleves</a:t>
+            </a:r>
+            <a:endParaRPr lang="fr-FR" dirty="0"/>
           </a:p>
         </p:txBody>
       </p:sp>
@@ -3973,7 +4336,7 @@
         </p:nvSpPr>
         <p:spPr>
           <a:xfrm>
-            <a:off x="4651888" y="501445"/>
+            <a:off x="4461387" y="5463964"/>
             <a:ext cx="2713704" cy="369332"/>
           </a:xfrm>
           <a:prstGeom prst="rect">
@@ -3987,9 +4350,10 @@
           </a:bodyPr>
           <a:lstStyle/>
           <a:p>
-            <a:r>
-              <a:rPr lang="fr-FR" smtClean="0"/>
-              <a:t>Mise à Jour des Données</a:t>
+            <a:pPr algn="ctr"/>
+            <a:r>
+              <a:rPr lang="fr-FR" dirty="0" smtClean="0"/>
+              <a:t>Disciplines</a:t>
             </a:r>
             <a:endParaRPr lang="fr-FR" dirty="0"/>
           </a:p>
@@ -4003,7 +4367,7 @@
         </p:nvSpPr>
         <p:spPr>
           <a:xfrm>
-            <a:off x="8728587" y="501445"/>
+            <a:off x="4461387" y="3635165"/>
             <a:ext cx="2713704" cy="369332"/>
           </a:xfrm>
           <a:prstGeom prst="rect">
@@ -4019,8 +4383,43 @@
           <a:p>
             <a:pPr algn="ctr"/>
             <a:r>
-              <a:rPr lang="fr-FR" dirty="0" err="1" smtClean="0"/>
-              <a:t>Reporting</a:t>
+              <a:rPr lang="fr-FR" dirty="0" smtClean="0"/>
+              <a:t>Enseignants</a:t>
+            </a:r>
+            <a:endParaRPr lang="fr-FR" dirty="0"/>
+          </a:p>
+        </p:txBody>
+      </p:sp>
+      <p:sp>
+        <p:nvSpPr>
+          <p:cNvPr id="11" name="ZoneTexte 10"/>
+          <p:cNvSpPr txBox="1"/>
+          <p:nvPr/>
+        </p:nvSpPr>
+        <p:spPr>
+          <a:xfrm>
+            <a:off x="3543300" y="261317"/>
+            <a:ext cx="4549878" cy="646331"/>
+          </a:xfrm>
+          <a:prstGeom prst="rect">
+            <a:avLst/>
+          </a:prstGeom>
+          <a:noFill/>
+        </p:spPr>
+        <p:txBody>
+          <a:bodyPr wrap="square" rtlCol="0">
+            <a:spAutoFit/>
+          </a:bodyPr>
+          <a:lstStyle/>
+          <a:p>
+            <a:pPr algn="ctr"/>
+            <a:r>
+              <a:rPr lang="fr-FR" dirty="0" smtClean="0"/>
+              <a:t>Choisissez la Catégorie dans laquelle </a:t>
+            </a:r>
+            <a:r>
+              <a:rPr lang="fr-FR" smtClean="0"/>
+              <a:t>vous voulez Naviguer</a:t>
             </a:r>
             <a:endParaRPr lang="fr-FR" dirty="0"/>
           </a:p>
@@ -4030,6 +4429,1457 @@
     <p:extLst>
       <p:ext uri="{BB962C8B-B14F-4D97-AF65-F5344CB8AC3E}">
         <p14:creationId xmlns:p14="http://schemas.microsoft.com/office/powerpoint/2010/main" val="420103783"/>
+      </p:ext>
+    </p:extLst>
+  </p:cSld>
+  <p:clrMapOvr>
+    <a:masterClrMapping/>
+  </p:clrMapOvr>
+</p:sld>
+</file>
+
+<file path=ppt/slides/slide4.xml><?xml version="1.0" encoding="utf-8"?>
+<p:sld xmlns:a="http://schemas.openxmlformats.org/drawingml/2006/main" xmlns:r="http://schemas.openxmlformats.org/officeDocument/2006/relationships" xmlns:p="http://schemas.openxmlformats.org/presentationml/2006/main">
+  <p:cSld>
+    <p:spTree>
+      <p:nvGrpSpPr>
+        <p:cNvPr id="1" name=""/>
+        <p:cNvGrpSpPr/>
+        <p:nvPr/>
+      </p:nvGrpSpPr>
+      <p:grpSpPr>
+        <a:xfrm>
+          <a:off x="0" y="0"/>
+          <a:ext cx="0" cy="0"/>
+          <a:chOff x="0" y="0"/>
+          <a:chExt cx="0" cy="0"/>
+        </a:xfrm>
+      </p:grpSpPr>
+      <p:sp>
+        <p:nvSpPr>
+          <p:cNvPr id="4" name="ZoneTexte 3"/>
+          <p:cNvSpPr txBox="1"/>
+          <p:nvPr/>
+        </p:nvSpPr>
+        <p:spPr>
+          <a:xfrm>
+            <a:off x="3543300" y="261317"/>
+            <a:ext cx="4549878" cy="646331"/>
+          </a:xfrm>
+          <a:prstGeom prst="rect">
+            <a:avLst/>
+          </a:prstGeom>
+          <a:noFill/>
+        </p:spPr>
+        <p:txBody>
+          <a:bodyPr wrap="square" rtlCol="0">
+            <a:spAutoFit/>
+          </a:bodyPr>
+          <a:lstStyle/>
+          <a:p>
+            <a:pPr algn="ctr"/>
+            <a:r>
+              <a:rPr lang="fr-FR" sz="3600" dirty="0" smtClean="0"/>
+              <a:t>Liste Elèves</a:t>
+            </a:r>
+            <a:endParaRPr lang="fr-FR" sz="3600" dirty="0"/>
+          </a:p>
+        </p:txBody>
+      </p:sp>
+      <p:pic>
+        <p:nvPicPr>
+          <p:cNvPr id="1026" name="Picture 2" descr="Ã©sultat de recherche d'images pour &quot;image ajouter&quot;"/>
+          <p:cNvPicPr>
+            <a:picLocks noChangeAspect="1" noChangeArrowheads="1"/>
+          </p:cNvPicPr>
+          <p:nvPr/>
+        </p:nvPicPr>
+        <p:blipFill>
+          <a:blip r:embed="rId2">
+            <a:extLst>
+              <a:ext uri="{28A0092B-C50C-407E-A947-70E740481C1C}">
+                <a14:useLocalDpi xmlns:a14="http://schemas.microsoft.com/office/drawing/2010/main" val="0"/>
+              </a:ext>
+            </a:extLst>
+          </a:blip>
+          <a:srcRect/>
+          <a:stretch>
+            <a:fillRect/>
+          </a:stretch>
+        </p:blipFill>
+        <p:spPr bwMode="auto">
+          <a:xfrm>
+            <a:off x="303817" y="304800"/>
+            <a:ext cx="1666240" cy="1666240"/>
+          </a:xfrm>
+          <a:prstGeom prst="rect">
+            <a:avLst/>
+          </a:prstGeom>
+          <a:noFill/>
+          <a:extLst>
+            <a:ext uri="{909E8E84-426E-40DD-AFC4-6F175D3DCCD1}">
+              <a14:hiddenFill xmlns:a14="http://schemas.microsoft.com/office/drawing/2010/main">
+                <a:solidFill>
+                  <a:srgbClr val="FFFFFF"/>
+                </a:solidFill>
+              </a14:hiddenFill>
+            </a:ext>
+          </a:extLst>
+        </p:spPr>
+      </p:pic>
+      <p:sp>
+        <p:nvSpPr>
+          <p:cNvPr id="6" name="ZoneTexte 5"/>
+          <p:cNvSpPr txBox="1"/>
+          <p:nvPr/>
+        </p:nvSpPr>
+        <p:spPr>
+          <a:xfrm>
+            <a:off x="3214820" y="1971040"/>
+            <a:ext cx="8062780" cy="3693319"/>
+          </a:xfrm>
+          <a:prstGeom prst="rect">
+            <a:avLst/>
+          </a:prstGeom>
+          <a:noFill/>
+        </p:spPr>
+        <p:txBody>
+          <a:bodyPr wrap="square" rtlCol="0">
+            <a:spAutoFit/>
+          </a:bodyPr>
+          <a:lstStyle/>
+          <a:p>
+            <a:pPr marL="285750" indent="-285750">
+              <a:buFontTx/>
+              <a:buChar char="-"/>
+            </a:pPr>
+            <a:r>
+              <a:rPr lang="fr-FR" dirty="0" smtClean="0"/>
+              <a:t>Pierre Dupont			Terminale</a:t>
+            </a:r>
+          </a:p>
+          <a:p>
+            <a:pPr marL="285750" indent="-285750">
+              <a:buFontTx/>
+              <a:buChar char="-"/>
+            </a:pPr>
+            <a:endParaRPr lang="fr-FR" dirty="0"/>
+          </a:p>
+          <a:p>
+            <a:pPr marL="285750" indent="-285750">
+              <a:buFontTx/>
+              <a:buChar char="-"/>
+            </a:pPr>
+            <a:r>
+              <a:rPr lang="fr-FR" dirty="0" smtClean="0"/>
+              <a:t>Marine </a:t>
+            </a:r>
+            <a:r>
+              <a:rPr lang="fr-FR" dirty="0" err="1" smtClean="0"/>
+              <a:t>Bramart</a:t>
+            </a:r>
+            <a:r>
+              <a:rPr lang="fr-FR" dirty="0" smtClean="0"/>
+              <a:t>			Sixième</a:t>
+            </a:r>
+          </a:p>
+          <a:p>
+            <a:pPr marL="285750" indent="-285750">
+              <a:buFontTx/>
+              <a:buChar char="-"/>
+            </a:pPr>
+            <a:endParaRPr lang="fr-FR" dirty="0"/>
+          </a:p>
+          <a:p>
+            <a:pPr marL="285750" indent="-285750">
+              <a:buFontTx/>
+              <a:buChar char="-"/>
+            </a:pPr>
+            <a:r>
+              <a:rPr lang="fr-FR" dirty="0" smtClean="0"/>
+              <a:t>Francis </a:t>
+            </a:r>
+            <a:r>
+              <a:rPr lang="fr-FR" dirty="0" err="1" smtClean="0"/>
+              <a:t>Pelous</a:t>
+            </a:r>
+            <a:r>
+              <a:rPr lang="fr-FR" dirty="0" smtClean="0"/>
+              <a:t>			Seconde</a:t>
+            </a:r>
+          </a:p>
+          <a:p>
+            <a:pPr marL="285750" indent="-285750">
+              <a:buFontTx/>
+              <a:buChar char="-"/>
+            </a:pPr>
+            <a:endParaRPr lang="fr-FR" dirty="0"/>
+          </a:p>
+          <a:p>
+            <a:pPr marL="285750" indent="-285750">
+              <a:buFontTx/>
+              <a:buChar char="-"/>
+            </a:pPr>
+            <a:r>
+              <a:rPr lang="fr-FR" dirty="0" smtClean="0"/>
+              <a:t>Noel </a:t>
+            </a:r>
+            <a:r>
+              <a:rPr lang="fr-FR" dirty="0" err="1" smtClean="0"/>
+              <a:t>Flantier</a:t>
+            </a:r>
+            <a:r>
+              <a:rPr lang="fr-FR" dirty="0" smtClean="0"/>
+              <a:t>			Terminale</a:t>
+            </a:r>
+          </a:p>
+          <a:p>
+            <a:pPr marL="285750" indent="-285750">
+              <a:buFontTx/>
+              <a:buChar char="-"/>
+            </a:pPr>
+            <a:endParaRPr lang="fr-FR" dirty="0"/>
+          </a:p>
+          <a:p>
+            <a:pPr marL="285750" indent="-285750">
+              <a:buFontTx/>
+              <a:buChar char="-"/>
+            </a:pPr>
+            <a:r>
+              <a:rPr lang="fr-FR" dirty="0" smtClean="0"/>
+              <a:t>Yacine Lauda			Quatrième</a:t>
+            </a:r>
+          </a:p>
+          <a:p>
+            <a:pPr marL="285750" indent="-285750">
+              <a:buFontTx/>
+              <a:buChar char="-"/>
+            </a:pPr>
+            <a:endParaRPr lang="fr-FR" dirty="0"/>
+          </a:p>
+          <a:p>
+            <a:pPr marL="285750" indent="-285750">
+              <a:buFontTx/>
+              <a:buChar char="-"/>
+            </a:pPr>
+            <a:r>
+              <a:rPr lang="fr-FR" dirty="0" smtClean="0"/>
+              <a:t>Tamara </a:t>
+            </a:r>
+            <a:r>
+              <a:rPr lang="fr-FR" dirty="0" err="1" smtClean="0"/>
+              <a:t>Ngoty</a:t>
+            </a:r>
+            <a:r>
+              <a:rPr lang="fr-FR" dirty="0" smtClean="0"/>
+              <a:t>			Troisième</a:t>
+            </a:r>
+          </a:p>
+          <a:p>
+            <a:pPr marL="285750" indent="-285750">
+              <a:buFontTx/>
+              <a:buChar char="-"/>
+            </a:pPr>
+            <a:endParaRPr lang="fr-FR" dirty="0"/>
+          </a:p>
+          <a:p>
+            <a:pPr marL="285750" indent="-285750">
+              <a:buFontTx/>
+              <a:buChar char="-"/>
+            </a:pPr>
+            <a:r>
+              <a:rPr lang="fr-FR" dirty="0" smtClean="0"/>
+              <a:t>Lucienne Floc			Cinquième</a:t>
+            </a:r>
+            <a:endParaRPr lang="fr-FR" dirty="0"/>
+          </a:p>
+        </p:txBody>
+      </p:sp>
+      <p:sp>
+        <p:nvSpPr>
+          <p:cNvPr id="7" name="ZoneTexte 6"/>
+          <p:cNvSpPr txBox="1"/>
+          <p:nvPr/>
+        </p:nvSpPr>
+        <p:spPr>
+          <a:xfrm>
+            <a:off x="303817" y="1971040"/>
+            <a:ext cx="1632677" cy="307777"/>
+          </a:xfrm>
+          <a:prstGeom prst="rect">
+            <a:avLst/>
+          </a:prstGeom>
+          <a:noFill/>
+        </p:spPr>
+        <p:txBody>
+          <a:bodyPr wrap="square" rtlCol="0">
+            <a:spAutoFit/>
+          </a:bodyPr>
+          <a:lstStyle/>
+          <a:p>
+            <a:pPr algn="ctr"/>
+            <a:r>
+              <a:rPr lang="fr-FR" sz="1400" dirty="0" smtClean="0"/>
+              <a:t>Ajouter </a:t>
+            </a:r>
+            <a:r>
+              <a:rPr lang="fr-FR" sz="1400" dirty="0" err="1" smtClean="0"/>
+              <a:t>Eleves</a:t>
+            </a:r>
+            <a:endParaRPr lang="fr-FR" sz="1400" dirty="0"/>
+          </a:p>
+        </p:txBody>
+      </p:sp>
+    </p:spTree>
+    <p:extLst>
+      <p:ext uri="{BB962C8B-B14F-4D97-AF65-F5344CB8AC3E}">
+        <p14:creationId xmlns:p14="http://schemas.microsoft.com/office/powerpoint/2010/main" val="772289089"/>
+      </p:ext>
+    </p:extLst>
+  </p:cSld>
+  <p:clrMapOvr>
+    <a:masterClrMapping/>
+  </p:clrMapOvr>
+</p:sld>
+</file>
+
+<file path=ppt/slides/slide5.xml><?xml version="1.0" encoding="utf-8"?>
+<p:sld xmlns:a="http://schemas.openxmlformats.org/drawingml/2006/main" xmlns:r="http://schemas.openxmlformats.org/officeDocument/2006/relationships" xmlns:p="http://schemas.openxmlformats.org/presentationml/2006/main">
+  <p:cSld>
+    <p:spTree>
+      <p:nvGrpSpPr>
+        <p:cNvPr id="1" name=""/>
+        <p:cNvGrpSpPr/>
+        <p:nvPr/>
+      </p:nvGrpSpPr>
+      <p:grpSpPr>
+        <a:xfrm>
+          <a:off x="0" y="0"/>
+          <a:ext cx="0" cy="0"/>
+          <a:chOff x="0" y="0"/>
+          <a:chExt cx="0" cy="0"/>
+        </a:xfrm>
+      </p:grpSpPr>
+      <p:sp>
+        <p:nvSpPr>
+          <p:cNvPr id="4" name="ZoneTexte 3"/>
+          <p:cNvSpPr txBox="1"/>
+          <p:nvPr/>
+        </p:nvSpPr>
+        <p:spPr>
+          <a:xfrm>
+            <a:off x="3948035" y="223575"/>
+            <a:ext cx="4549878" cy="707886"/>
+          </a:xfrm>
+          <a:prstGeom prst="rect">
+            <a:avLst/>
+          </a:prstGeom>
+          <a:noFill/>
+        </p:spPr>
+        <p:txBody>
+          <a:bodyPr wrap="square" rtlCol="0">
+            <a:spAutoFit/>
+          </a:bodyPr>
+          <a:lstStyle/>
+          <a:p>
+            <a:pPr algn="ctr"/>
+            <a:r>
+              <a:rPr lang="fr-FR" sz="4000" dirty="0" smtClean="0"/>
+              <a:t>Fiche Elève</a:t>
+            </a:r>
+            <a:endParaRPr lang="fr-FR" sz="4000" dirty="0"/>
+          </a:p>
+        </p:txBody>
+      </p:sp>
+      <p:sp>
+        <p:nvSpPr>
+          <p:cNvPr id="5" name="ZoneTexte 4"/>
+          <p:cNvSpPr txBox="1"/>
+          <p:nvPr/>
+        </p:nvSpPr>
+        <p:spPr>
+          <a:xfrm>
+            <a:off x="3948035" y="1035542"/>
+            <a:ext cx="4549878" cy="461665"/>
+          </a:xfrm>
+          <a:prstGeom prst="rect">
+            <a:avLst/>
+          </a:prstGeom>
+          <a:noFill/>
+        </p:spPr>
+        <p:txBody>
+          <a:bodyPr wrap="square" rtlCol="0">
+            <a:spAutoFit/>
+          </a:bodyPr>
+          <a:lstStyle/>
+          <a:p>
+            <a:pPr algn="ctr"/>
+            <a:r>
+              <a:rPr lang="fr-FR" sz="2400" dirty="0" smtClean="0"/>
+              <a:t>Noel </a:t>
+            </a:r>
+            <a:r>
+              <a:rPr lang="fr-FR" sz="2400" dirty="0" err="1" smtClean="0"/>
+              <a:t>Flantier</a:t>
+            </a:r>
+            <a:endParaRPr lang="fr-FR" sz="2400" dirty="0"/>
+          </a:p>
+        </p:txBody>
+      </p:sp>
+      <p:sp>
+        <p:nvSpPr>
+          <p:cNvPr id="7" name="Rectangle 6"/>
+          <p:cNvSpPr/>
+          <p:nvPr/>
+        </p:nvSpPr>
+        <p:spPr>
+          <a:xfrm>
+            <a:off x="1946284" y="5541501"/>
+            <a:ext cx="3194032" cy="889279"/>
+          </a:xfrm>
+          <a:prstGeom prst="rect">
+            <a:avLst/>
+          </a:prstGeom>
+        </p:spPr>
+        <p:style>
+          <a:lnRef idx="2">
+            <a:schemeClr val="accent4">
+              <a:shade val="50000"/>
+            </a:schemeClr>
+          </a:lnRef>
+          <a:fillRef idx="1">
+            <a:schemeClr val="accent4"/>
+          </a:fillRef>
+          <a:effectRef idx="0">
+            <a:schemeClr val="accent4"/>
+          </a:effectRef>
+          <a:fontRef idx="minor">
+            <a:schemeClr val="lt1"/>
+          </a:fontRef>
+        </p:style>
+        <p:txBody>
+          <a:bodyPr rtlCol="0" anchor="ctr"/>
+          <a:lstStyle/>
+          <a:p>
+            <a:pPr algn="ctr"/>
+            <a:endParaRPr lang="fr-FR"/>
+          </a:p>
+        </p:txBody>
+      </p:sp>
+      <p:sp>
+        <p:nvSpPr>
+          <p:cNvPr id="8" name="Rectangle 7"/>
+          <p:cNvSpPr/>
+          <p:nvPr/>
+        </p:nvSpPr>
+        <p:spPr>
+          <a:xfrm>
+            <a:off x="7315261" y="5541501"/>
+            <a:ext cx="3194032" cy="889279"/>
+          </a:xfrm>
+          <a:prstGeom prst="rect">
+            <a:avLst/>
+          </a:prstGeom>
+        </p:spPr>
+        <p:style>
+          <a:lnRef idx="2">
+            <a:schemeClr val="accent4">
+              <a:shade val="50000"/>
+            </a:schemeClr>
+          </a:lnRef>
+          <a:fillRef idx="1">
+            <a:schemeClr val="accent4"/>
+          </a:fillRef>
+          <a:effectRef idx="0">
+            <a:schemeClr val="accent4"/>
+          </a:effectRef>
+          <a:fontRef idx="minor">
+            <a:schemeClr val="lt1"/>
+          </a:fontRef>
+        </p:style>
+        <p:txBody>
+          <a:bodyPr rtlCol="0" anchor="ctr"/>
+          <a:lstStyle/>
+          <a:p>
+            <a:pPr algn="ctr"/>
+            <a:endParaRPr lang="fr-FR"/>
+          </a:p>
+        </p:txBody>
+      </p:sp>
+      <p:sp>
+        <p:nvSpPr>
+          <p:cNvPr id="9" name="ZoneTexte 8"/>
+          <p:cNvSpPr txBox="1"/>
+          <p:nvPr/>
+        </p:nvSpPr>
+        <p:spPr>
+          <a:xfrm>
+            <a:off x="6637338" y="5786085"/>
+            <a:ext cx="4549878" cy="400110"/>
+          </a:xfrm>
+          <a:prstGeom prst="rect">
+            <a:avLst/>
+          </a:prstGeom>
+          <a:noFill/>
+        </p:spPr>
+        <p:txBody>
+          <a:bodyPr wrap="square" rtlCol="0">
+            <a:spAutoFit/>
+          </a:bodyPr>
+          <a:lstStyle/>
+          <a:p>
+            <a:pPr algn="ctr"/>
+            <a:r>
+              <a:rPr lang="fr-FR" sz="2000" dirty="0" smtClean="0"/>
+              <a:t>Modifier Elève</a:t>
+            </a:r>
+            <a:endParaRPr lang="fr-FR" sz="2000" dirty="0"/>
+          </a:p>
+        </p:txBody>
+      </p:sp>
+      <p:sp>
+        <p:nvSpPr>
+          <p:cNvPr id="10" name="ZoneTexte 9"/>
+          <p:cNvSpPr txBox="1"/>
+          <p:nvPr/>
+        </p:nvSpPr>
+        <p:spPr>
+          <a:xfrm>
+            <a:off x="1268361" y="5786085"/>
+            <a:ext cx="4549878" cy="400110"/>
+          </a:xfrm>
+          <a:prstGeom prst="rect">
+            <a:avLst/>
+          </a:prstGeom>
+          <a:noFill/>
+        </p:spPr>
+        <p:txBody>
+          <a:bodyPr wrap="square" rtlCol="0">
+            <a:spAutoFit/>
+          </a:bodyPr>
+          <a:lstStyle/>
+          <a:p>
+            <a:pPr algn="ctr"/>
+            <a:r>
+              <a:rPr lang="fr-FR" sz="2000" dirty="0" smtClean="0"/>
+              <a:t>Supprimer Elève</a:t>
+            </a:r>
+            <a:endParaRPr lang="fr-FR" sz="2000" dirty="0"/>
+          </a:p>
+        </p:txBody>
+      </p:sp>
+      <p:sp>
+        <p:nvSpPr>
+          <p:cNvPr id="11" name="ZoneTexte 10"/>
+          <p:cNvSpPr txBox="1"/>
+          <p:nvPr/>
+        </p:nvSpPr>
+        <p:spPr>
+          <a:xfrm>
+            <a:off x="2006808" y="2661062"/>
+            <a:ext cx="3072983" cy="1754326"/>
+          </a:xfrm>
+          <a:prstGeom prst="rect">
+            <a:avLst/>
+          </a:prstGeom>
+          <a:noFill/>
+        </p:spPr>
+        <p:txBody>
+          <a:bodyPr wrap="square" rtlCol="0">
+            <a:spAutoFit/>
+          </a:bodyPr>
+          <a:lstStyle/>
+          <a:p>
+            <a:r>
+              <a:rPr lang="fr-FR" dirty="0" smtClean="0"/>
+              <a:t>-   Elève de Terminale</a:t>
+            </a:r>
+          </a:p>
+          <a:p>
+            <a:endParaRPr lang="fr-FR" dirty="0"/>
+          </a:p>
+          <a:p>
+            <a:pPr marL="285750" indent="-285750">
+              <a:buFontTx/>
+              <a:buChar char="-"/>
+            </a:pPr>
+            <a:r>
+              <a:rPr lang="fr-FR" dirty="0" smtClean="0"/>
+              <a:t>En cours avec Mme </a:t>
+            </a:r>
+            <a:r>
+              <a:rPr lang="fr-FR" dirty="0" err="1" smtClean="0"/>
+              <a:t>Tran</a:t>
+            </a:r>
+            <a:r>
+              <a:rPr lang="fr-FR" dirty="0" smtClean="0"/>
+              <a:t>,  Mr </a:t>
+            </a:r>
+            <a:r>
+              <a:rPr lang="fr-FR" dirty="0" err="1" smtClean="0"/>
+              <a:t>Dloche</a:t>
+            </a:r>
+            <a:r>
+              <a:rPr lang="fr-FR" dirty="0" smtClean="0"/>
+              <a:t>, Mme Jones</a:t>
+            </a:r>
+          </a:p>
+          <a:p>
+            <a:pPr marL="285750" indent="-285750">
+              <a:buFontTx/>
+              <a:buChar char="-"/>
+            </a:pPr>
+            <a:endParaRPr lang="fr-FR" dirty="0"/>
+          </a:p>
+          <a:p>
+            <a:pPr marL="285750" indent="-285750">
+              <a:buFontTx/>
+              <a:buChar char="-"/>
+            </a:pPr>
+            <a:endParaRPr lang="fr-FR" dirty="0"/>
+          </a:p>
+        </p:txBody>
+      </p:sp>
+      <p:sp>
+        <p:nvSpPr>
+          <p:cNvPr id="12" name="ZoneTexte 11"/>
+          <p:cNvSpPr txBox="1"/>
+          <p:nvPr/>
+        </p:nvSpPr>
+        <p:spPr>
+          <a:xfrm>
+            <a:off x="7375785" y="2430962"/>
+            <a:ext cx="3072983" cy="1754326"/>
+          </a:xfrm>
+          <a:prstGeom prst="rect">
+            <a:avLst/>
+          </a:prstGeom>
+          <a:noFill/>
+        </p:spPr>
+        <p:txBody>
+          <a:bodyPr wrap="square" rtlCol="0">
+            <a:spAutoFit/>
+          </a:bodyPr>
+          <a:lstStyle/>
+          <a:p>
+            <a:pPr marL="285750" indent="-285750">
+              <a:buFontTx/>
+              <a:buChar char="-"/>
+            </a:pPr>
+            <a:r>
+              <a:rPr lang="fr-FR" dirty="0" smtClean="0"/>
+              <a:t>Bulletin du Semestre 1</a:t>
+            </a:r>
+          </a:p>
+          <a:p>
+            <a:pPr marL="285750" indent="-285750">
+              <a:buFontTx/>
+              <a:buChar char="-"/>
+            </a:pPr>
+            <a:endParaRPr lang="fr-FR" dirty="0"/>
+          </a:p>
+          <a:p>
+            <a:pPr marL="285750" indent="-285750">
+              <a:buFontTx/>
+              <a:buChar char="-"/>
+            </a:pPr>
+            <a:r>
+              <a:rPr lang="fr-FR" dirty="0" smtClean="0"/>
+              <a:t>Bulletin du Semestre 2</a:t>
+            </a:r>
+          </a:p>
+          <a:p>
+            <a:pPr marL="285750" indent="-285750">
+              <a:buFontTx/>
+              <a:buChar char="-"/>
+            </a:pPr>
+            <a:endParaRPr lang="fr-FR" dirty="0"/>
+          </a:p>
+          <a:p>
+            <a:pPr marL="285750" indent="-285750">
+              <a:buFontTx/>
+              <a:buChar char="-"/>
+            </a:pPr>
+            <a:r>
+              <a:rPr lang="fr-FR" dirty="0" smtClean="0"/>
+              <a:t>Bulletin du Semestre 3</a:t>
+            </a:r>
+            <a:endParaRPr lang="fr-FR" dirty="0"/>
+          </a:p>
+          <a:p>
+            <a:pPr marL="285750" indent="-285750">
+              <a:buFontTx/>
+              <a:buChar char="-"/>
+            </a:pPr>
+            <a:endParaRPr lang="fr-FR" dirty="0"/>
+          </a:p>
+        </p:txBody>
+      </p:sp>
+      <p:sp>
+        <p:nvSpPr>
+          <p:cNvPr id="16" name="Rectangle 15"/>
+          <p:cNvSpPr/>
+          <p:nvPr/>
+        </p:nvSpPr>
+        <p:spPr>
+          <a:xfrm flipH="1">
+            <a:off x="6069519" y="1933731"/>
+            <a:ext cx="45719" cy="2683239"/>
+          </a:xfrm>
+          <a:prstGeom prst="rect">
+            <a:avLst/>
+          </a:prstGeom>
+        </p:spPr>
+        <p:style>
+          <a:lnRef idx="2">
+            <a:schemeClr val="dk1">
+              <a:shade val="50000"/>
+            </a:schemeClr>
+          </a:lnRef>
+          <a:fillRef idx="1">
+            <a:schemeClr val="dk1"/>
+          </a:fillRef>
+          <a:effectRef idx="0">
+            <a:schemeClr val="dk1"/>
+          </a:effectRef>
+          <a:fontRef idx="minor">
+            <a:schemeClr val="lt1"/>
+          </a:fontRef>
+        </p:style>
+        <p:txBody>
+          <a:bodyPr rtlCol="0" anchor="ctr"/>
+          <a:lstStyle/>
+          <a:p>
+            <a:pPr algn="ctr"/>
+            <a:endParaRPr lang="fr-FR"/>
+          </a:p>
+        </p:txBody>
+      </p:sp>
+    </p:spTree>
+    <p:extLst>
+      <p:ext uri="{BB962C8B-B14F-4D97-AF65-F5344CB8AC3E}">
+        <p14:creationId xmlns:p14="http://schemas.microsoft.com/office/powerpoint/2010/main" val="1271324554"/>
+      </p:ext>
+    </p:extLst>
+  </p:cSld>
+  <p:clrMapOvr>
+    <a:masterClrMapping/>
+  </p:clrMapOvr>
+</p:sld>
+</file>
+
+<file path=ppt/slides/slide6.xml><?xml version="1.0" encoding="utf-8"?>
+<p:sld xmlns:a="http://schemas.openxmlformats.org/drawingml/2006/main" xmlns:r="http://schemas.openxmlformats.org/officeDocument/2006/relationships" xmlns:p="http://schemas.openxmlformats.org/presentationml/2006/main">
+  <p:cSld>
+    <p:spTree>
+      <p:nvGrpSpPr>
+        <p:cNvPr id="1" name=""/>
+        <p:cNvGrpSpPr/>
+        <p:nvPr/>
+      </p:nvGrpSpPr>
+      <p:grpSpPr>
+        <a:xfrm>
+          <a:off x="0" y="0"/>
+          <a:ext cx="0" cy="0"/>
+          <a:chOff x="0" y="0"/>
+          <a:chExt cx="0" cy="0"/>
+        </a:xfrm>
+      </p:grpSpPr>
+      <p:sp>
+        <p:nvSpPr>
+          <p:cNvPr id="4" name="ZoneTexte 3"/>
+          <p:cNvSpPr txBox="1"/>
+          <p:nvPr/>
+        </p:nvSpPr>
+        <p:spPr>
+          <a:xfrm>
+            <a:off x="3648231" y="304800"/>
+            <a:ext cx="4549878" cy="646331"/>
+          </a:xfrm>
+          <a:prstGeom prst="rect">
+            <a:avLst/>
+          </a:prstGeom>
+          <a:noFill/>
+        </p:spPr>
+        <p:txBody>
+          <a:bodyPr wrap="square" rtlCol="0">
+            <a:spAutoFit/>
+          </a:bodyPr>
+          <a:lstStyle/>
+          <a:p>
+            <a:pPr algn="ctr"/>
+            <a:r>
+              <a:rPr lang="fr-FR" sz="3600" dirty="0" smtClean="0"/>
+              <a:t>Liste Enseignants</a:t>
+            </a:r>
+            <a:endParaRPr lang="fr-FR" sz="3600" dirty="0"/>
+          </a:p>
+        </p:txBody>
+      </p:sp>
+      <p:pic>
+        <p:nvPicPr>
+          <p:cNvPr id="1026" name="Picture 2" descr="Ã©sultat de recherche d'images pour &quot;image ajouter&quot;"/>
+          <p:cNvPicPr>
+            <a:picLocks noChangeAspect="1" noChangeArrowheads="1"/>
+          </p:cNvPicPr>
+          <p:nvPr/>
+        </p:nvPicPr>
+        <p:blipFill>
+          <a:blip r:embed="rId2">
+            <a:extLst>
+              <a:ext uri="{28A0092B-C50C-407E-A947-70E740481C1C}">
+                <a14:useLocalDpi xmlns:a14="http://schemas.microsoft.com/office/drawing/2010/main" val="0"/>
+              </a:ext>
+            </a:extLst>
+          </a:blip>
+          <a:srcRect/>
+          <a:stretch>
+            <a:fillRect/>
+          </a:stretch>
+        </p:blipFill>
+        <p:spPr bwMode="auto">
+          <a:xfrm>
+            <a:off x="303817" y="304800"/>
+            <a:ext cx="1666240" cy="1666240"/>
+          </a:xfrm>
+          <a:prstGeom prst="rect">
+            <a:avLst/>
+          </a:prstGeom>
+          <a:noFill/>
+          <a:extLst>
+            <a:ext uri="{909E8E84-426E-40DD-AFC4-6F175D3DCCD1}">
+              <a14:hiddenFill xmlns:a14="http://schemas.microsoft.com/office/drawing/2010/main">
+                <a:solidFill>
+                  <a:srgbClr val="FFFFFF"/>
+                </a:solidFill>
+              </a14:hiddenFill>
+            </a:ext>
+          </a:extLst>
+        </p:spPr>
+      </p:pic>
+      <p:sp>
+        <p:nvSpPr>
+          <p:cNvPr id="6" name="ZoneTexte 5"/>
+          <p:cNvSpPr txBox="1"/>
+          <p:nvPr/>
+        </p:nvSpPr>
+        <p:spPr>
+          <a:xfrm>
+            <a:off x="3214820" y="1971040"/>
+            <a:ext cx="8062780" cy="3693319"/>
+          </a:xfrm>
+          <a:prstGeom prst="rect">
+            <a:avLst/>
+          </a:prstGeom>
+          <a:noFill/>
+        </p:spPr>
+        <p:txBody>
+          <a:bodyPr wrap="square" rtlCol="0">
+            <a:spAutoFit/>
+          </a:bodyPr>
+          <a:lstStyle/>
+          <a:p>
+            <a:pPr marL="285750" indent="-285750">
+              <a:buFontTx/>
+              <a:buChar char="-"/>
+            </a:pPr>
+            <a:r>
+              <a:rPr lang="fr-FR" dirty="0" smtClean="0"/>
+              <a:t>Mme Jones			Mathématiques</a:t>
+            </a:r>
+          </a:p>
+          <a:p>
+            <a:pPr marL="285750" indent="-285750">
+              <a:buFontTx/>
+              <a:buChar char="-"/>
+            </a:pPr>
+            <a:endParaRPr lang="fr-FR" dirty="0"/>
+          </a:p>
+          <a:p>
+            <a:pPr marL="285750" indent="-285750">
+              <a:buFontTx/>
+              <a:buChar char="-"/>
+            </a:pPr>
+            <a:r>
+              <a:rPr lang="fr-FR" dirty="0" smtClean="0"/>
+              <a:t>Mr </a:t>
+            </a:r>
+            <a:r>
+              <a:rPr lang="fr-FR" dirty="0" err="1" smtClean="0"/>
+              <a:t>Dloche</a:t>
+            </a:r>
+            <a:r>
+              <a:rPr lang="fr-FR" dirty="0" smtClean="0"/>
+              <a:t>			Physique</a:t>
+            </a:r>
+          </a:p>
+          <a:p>
+            <a:pPr marL="285750" indent="-285750">
+              <a:buFontTx/>
+              <a:buChar char="-"/>
+            </a:pPr>
+            <a:endParaRPr lang="fr-FR" dirty="0"/>
+          </a:p>
+          <a:p>
+            <a:pPr marL="285750" indent="-285750">
+              <a:buFontTx/>
+              <a:buChar char="-"/>
+            </a:pPr>
+            <a:r>
+              <a:rPr lang="fr-FR" dirty="0" smtClean="0"/>
+              <a:t>Mme </a:t>
+            </a:r>
+            <a:r>
+              <a:rPr lang="fr-FR" dirty="0" err="1" smtClean="0"/>
+              <a:t>Tran</a:t>
+            </a:r>
+            <a:r>
+              <a:rPr lang="fr-FR" dirty="0" smtClean="0"/>
+              <a:t>			S.V.T</a:t>
+            </a:r>
+          </a:p>
+          <a:p>
+            <a:pPr marL="285750" indent="-285750">
+              <a:buFontTx/>
+              <a:buChar char="-"/>
+            </a:pPr>
+            <a:endParaRPr lang="fr-FR" dirty="0"/>
+          </a:p>
+          <a:p>
+            <a:pPr marL="285750" indent="-285750">
+              <a:buFontTx/>
+              <a:buChar char="-"/>
+            </a:pPr>
+            <a:r>
+              <a:rPr lang="fr-FR" dirty="0" smtClean="0"/>
+              <a:t>Mr </a:t>
+            </a:r>
+            <a:r>
+              <a:rPr lang="fr-FR" dirty="0" err="1" smtClean="0"/>
+              <a:t>Bouchereau</a:t>
+            </a:r>
+            <a:r>
+              <a:rPr lang="fr-FR" dirty="0" smtClean="0"/>
+              <a:t>			Anglais</a:t>
+            </a:r>
+          </a:p>
+          <a:p>
+            <a:pPr marL="285750" indent="-285750">
+              <a:buFontTx/>
+              <a:buChar char="-"/>
+            </a:pPr>
+            <a:endParaRPr lang="fr-FR" dirty="0"/>
+          </a:p>
+          <a:p>
+            <a:pPr marL="285750" indent="-285750">
+              <a:buFontTx/>
+              <a:buChar char="-"/>
+            </a:pPr>
+            <a:r>
+              <a:rPr lang="fr-FR" dirty="0" smtClean="0"/>
+              <a:t>Mme Roi			Espagnol</a:t>
+            </a:r>
+          </a:p>
+          <a:p>
+            <a:pPr marL="285750" indent="-285750">
+              <a:buFontTx/>
+              <a:buChar char="-"/>
+            </a:pPr>
+            <a:endParaRPr lang="fr-FR" dirty="0"/>
+          </a:p>
+          <a:p>
+            <a:pPr marL="285750" indent="-285750">
+              <a:buFontTx/>
+              <a:buChar char="-"/>
+            </a:pPr>
+            <a:r>
+              <a:rPr lang="fr-FR" dirty="0" smtClean="0"/>
+              <a:t>Mr Clair			Philosophie</a:t>
+            </a:r>
+          </a:p>
+          <a:p>
+            <a:pPr marL="285750" indent="-285750">
+              <a:buFontTx/>
+              <a:buChar char="-"/>
+            </a:pPr>
+            <a:endParaRPr lang="fr-FR" dirty="0"/>
+          </a:p>
+          <a:p>
+            <a:pPr marL="285750" indent="-285750">
+              <a:buFontTx/>
+              <a:buChar char="-"/>
+            </a:pPr>
+            <a:r>
+              <a:rPr lang="fr-FR" dirty="0" smtClean="0"/>
+              <a:t>Mme </a:t>
+            </a:r>
+            <a:r>
+              <a:rPr lang="fr-FR" dirty="0" err="1" smtClean="0"/>
+              <a:t>Letellier</a:t>
+            </a:r>
+            <a:r>
+              <a:rPr lang="fr-FR" dirty="0" smtClean="0"/>
+              <a:t>			Histoire</a:t>
+            </a:r>
+            <a:endParaRPr lang="fr-FR" dirty="0"/>
+          </a:p>
+        </p:txBody>
+      </p:sp>
+      <p:sp>
+        <p:nvSpPr>
+          <p:cNvPr id="7" name="ZoneTexte 6"/>
+          <p:cNvSpPr txBox="1"/>
+          <p:nvPr/>
+        </p:nvSpPr>
+        <p:spPr>
+          <a:xfrm>
+            <a:off x="303817" y="1971040"/>
+            <a:ext cx="1632677" cy="307777"/>
+          </a:xfrm>
+          <a:prstGeom prst="rect">
+            <a:avLst/>
+          </a:prstGeom>
+          <a:noFill/>
+        </p:spPr>
+        <p:txBody>
+          <a:bodyPr wrap="square" rtlCol="0">
+            <a:spAutoFit/>
+          </a:bodyPr>
+          <a:lstStyle/>
+          <a:p>
+            <a:pPr algn="ctr"/>
+            <a:r>
+              <a:rPr lang="fr-FR" sz="1400" dirty="0" smtClean="0"/>
+              <a:t>Ajouter Enseignants</a:t>
+            </a:r>
+            <a:endParaRPr lang="fr-FR" sz="1400" dirty="0"/>
+          </a:p>
+        </p:txBody>
+      </p:sp>
+    </p:spTree>
+    <p:extLst>
+      <p:ext uri="{BB962C8B-B14F-4D97-AF65-F5344CB8AC3E}">
+        <p14:creationId xmlns:p14="http://schemas.microsoft.com/office/powerpoint/2010/main" val="1285184435"/>
+      </p:ext>
+    </p:extLst>
+  </p:cSld>
+  <p:clrMapOvr>
+    <a:masterClrMapping/>
+  </p:clrMapOvr>
+</p:sld>
+</file>
+
+<file path=ppt/slides/slide7.xml><?xml version="1.0" encoding="utf-8"?>
+<p:sld xmlns:a="http://schemas.openxmlformats.org/drawingml/2006/main" xmlns:r="http://schemas.openxmlformats.org/officeDocument/2006/relationships" xmlns:p="http://schemas.openxmlformats.org/presentationml/2006/main">
+  <p:cSld>
+    <p:spTree>
+      <p:nvGrpSpPr>
+        <p:cNvPr id="1" name=""/>
+        <p:cNvGrpSpPr/>
+        <p:nvPr/>
+      </p:nvGrpSpPr>
+      <p:grpSpPr>
+        <a:xfrm>
+          <a:off x="0" y="0"/>
+          <a:ext cx="0" cy="0"/>
+          <a:chOff x="0" y="0"/>
+          <a:chExt cx="0" cy="0"/>
+        </a:xfrm>
+      </p:grpSpPr>
+      <p:sp>
+        <p:nvSpPr>
+          <p:cNvPr id="4" name="ZoneTexte 3"/>
+          <p:cNvSpPr txBox="1"/>
+          <p:nvPr/>
+        </p:nvSpPr>
+        <p:spPr>
+          <a:xfrm>
+            <a:off x="3948035" y="223575"/>
+            <a:ext cx="4549878" cy="707886"/>
+          </a:xfrm>
+          <a:prstGeom prst="rect">
+            <a:avLst/>
+          </a:prstGeom>
+          <a:noFill/>
+        </p:spPr>
+        <p:txBody>
+          <a:bodyPr wrap="square" rtlCol="0">
+            <a:spAutoFit/>
+          </a:bodyPr>
+          <a:lstStyle/>
+          <a:p>
+            <a:pPr algn="ctr"/>
+            <a:r>
+              <a:rPr lang="fr-FR" sz="4000" dirty="0" smtClean="0"/>
+              <a:t>Fiche Enseignants</a:t>
+            </a:r>
+            <a:endParaRPr lang="fr-FR" sz="4000" dirty="0"/>
+          </a:p>
+        </p:txBody>
+      </p:sp>
+      <p:sp>
+        <p:nvSpPr>
+          <p:cNvPr id="5" name="ZoneTexte 4"/>
+          <p:cNvSpPr txBox="1"/>
+          <p:nvPr/>
+        </p:nvSpPr>
+        <p:spPr>
+          <a:xfrm>
+            <a:off x="3948035" y="1035542"/>
+            <a:ext cx="4549878" cy="461665"/>
+          </a:xfrm>
+          <a:prstGeom prst="rect">
+            <a:avLst/>
+          </a:prstGeom>
+          <a:noFill/>
+        </p:spPr>
+        <p:txBody>
+          <a:bodyPr wrap="square" rtlCol="0">
+            <a:spAutoFit/>
+          </a:bodyPr>
+          <a:lstStyle/>
+          <a:p>
+            <a:pPr algn="ctr"/>
+            <a:r>
+              <a:rPr lang="fr-FR" sz="2400" dirty="0" smtClean="0"/>
+              <a:t>Mr </a:t>
+            </a:r>
+            <a:r>
+              <a:rPr lang="fr-FR" sz="2400" dirty="0" err="1" smtClean="0"/>
+              <a:t>Bouchereau</a:t>
+            </a:r>
+            <a:endParaRPr lang="fr-FR" sz="2400" dirty="0"/>
+          </a:p>
+        </p:txBody>
+      </p:sp>
+      <p:sp>
+        <p:nvSpPr>
+          <p:cNvPr id="7" name="Rectangle 6"/>
+          <p:cNvSpPr/>
+          <p:nvPr/>
+        </p:nvSpPr>
+        <p:spPr>
+          <a:xfrm>
+            <a:off x="1946284" y="5541501"/>
+            <a:ext cx="3194032" cy="889279"/>
+          </a:xfrm>
+          <a:prstGeom prst="rect">
+            <a:avLst/>
+          </a:prstGeom>
+        </p:spPr>
+        <p:style>
+          <a:lnRef idx="2">
+            <a:schemeClr val="accent4">
+              <a:shade val="50000"/>
+            </a:schemeClr>
+          </a:lnRef>
+          <a:fillRef idx="1">
+            <a:schemeClr val="accent4"/>
+          </a:fillRef>
+          <a:effectRef idx="0">
+            <a:schemeClr val="accent4"/>
+          </a:effectRef>
+          <a:fontRef idx="minor">
+            <a:schemeClr val="lt1"/>
+          </a:fontRef>
+        </p:style>
+        <p:txBody>
+          <a:bodyPr rtlCol="0" anchor="ctr"/>
+          <a:lstStyle/>
+          <a:p>
+            <a:pPr algn="ctr"/>
+            <a:endParaRPr lang="fr-FR"/>
+          </a:p>
+        </p:txBody>
+      </p:sp>
+      <p:sp>
+        <p:nvSpPr>
+          <p:cNvPr id="8" name="Rectangle 7"/>
+          <p:cNvSpPr/>
+          <p:nvPr/>
+        </p:nvSpPr>
+        <p:spPr>
+          <a:xfrm>
+            <a:off x="7315261" y="5541501"/>
+            <a:ext cx="3194032" cy="889279"/>
+          </a:xfrm>
+          <a:prstGeom prst="rect">
+            <a:avLst/>
+          </a:prstGeom>
+        </p:spPr>
+        <p:style>
+          <a:lnRef idx="2">
+            <a:schemeClr val="accent4">
+              <a:shade val="50000"/>
+            </a:schemeClr>
+          </a:lnRef>
+          <a:fillRef idx="1">
+            <a:schemeClr val="accent4"/>
+          </a:fillRef>
+          <a:effectRef idx="0">
+            <a:schemeClr val="accent4"/>
+          </a:effectRef>
+          <a:fontRef idx="minor">
+            <a:schemeClr val="lt1"/>
+          </a:fontRef>
+        </p:style>
+        <p:txBody>
+          <a:bodyPr rtlCol="0" anchor="ctr"/>
+          <a:lstStyle/>
+          <a:p>
+            <a:pPr algn="ctr"/>
+            <a:endParaRPr lang="fr-FR"/>
+          </a:p>
+        </p:txBody>
+      </p:sp>
+      <p:sp>
+        <p:nvSpPr>
+          <p:cNvPr id="9" name="ZoneTexte 8"/>
+          <p:cNvSpPr txBox="1"/>
+          <p:nvPr/>
+        </p:nvSpPr>
+        <p:spPr>
+          <a:xfrm>
+            <a:off x="6637338" y="5786085"/>
+            <a:ext cx="4549878" cy="400110"/>
+          </a:xfrm>
+          <a:prstGeom prst="rect">
+            <a:avLst/>
+          </a:prstGeom>
+          <a:noFill/>
+        </p:spPr>
+        <p:txBody>
+          <a:bodyPr wrap="square" rtlCol="0">
+            <a:spAutoFit/>
+          </a:bodyPr>
+          <a:lstStyle/>
+          <a:p>
+            <a:pPr algn="ctr"/>
+            <a:r>
+              <a:rPr lang="fr-FR" sz="2000" dirty="0" smtClean="0"/>
+              <a:t>Modifier Enseignant</a:t>
+            </a:r>
+            <a:endParaRPr lang="fr-FR" sz="2000" dirty="0"/>
+          </a:p>
+        </p:txBody>
+      </p:sp>
+      <p:sp>
+        <p:nvSpPr>
+          <p:cNvPr id="10" name="ZoneTexte 9"/>
+          <p:cNvSpPr txBox="1"/>
+          <p:nvPr/>
+        </p:nvSpPr>
+        <p:spPr>
+          <a:xfrm>
+            <a:off x="1268361" y="5786085"/>
+            <a:ext cx="4549878" cy="400110"/>
+          </a:xfrm>
+          <a:prstGeom prst="rect">
+            <a:avLst/>
+          </a:prstGeom>
+          <a:noFill/>
+        </p:spPr>
+        <p:txBody>
+          <a:bodyPr wrap="square" rtlCol="0">
+            <a:spAutoFit/>
+          </a:bodyPr>
+          <a:lstStyle/>
+          <a:p>
+            <a:pPr algn="ctr"/>
+            <a:r>
+              <a:rPr lang="fr-FR" sz="2000" dirty="0" smtClean="0"/>
+              <a:t>Supprimer Enseignant</a:t>
+            </a:r>
+            <a:endParaRPr lang="fr-FR" sz="2000" dirty="0"/>
+          </a:p>
+        </p:txBody>
+      </p:sp>
+      <p:sp>
+        <p:nvSpPr>
+          <p:cNvPr id="11" name="ZoneTexte 10"/>
+          <p:cNvSpPr txBox="1"/>
+          <p:nvPr/>
+        </p:nvSpPr>
+        <p:spPr>
+          <a:xfrm>
+            <a:off x="2006808" y="2661062"/>
+            <a:ext cx="3072983" cy="1754326"/>
+          </a:xfrm>
+          <a:prstGeom prst="rect">
+            <a:avLst/>
+          </a:prstGeom>
+          <a:noFill/>
+        </p:spPr>
+        <p:txBody>
+          <a:bodyPr wrap="square" rtlCol="0">
+            <a:spAutoFit/>
+          </a:bodyPr>
+          <a:lstStyle/>
+          <a:p>
+            <a:r>
+              <a:rPr lang="fr-FR" dirty="0" smtClean="0"/>
+              <a:t>-   Professeur d’Anglais</a:t>
+            </a:r>
+          </a:p>
+          <a:p>
+            <a:endParaRPr lang="fr-FR" dirty="0"/>
+          </a:p>
+          <a:p>
+            <a:pPr marL="285750" indent="-285750">
+              <a:buFontTx/>
+              <a:buChar char="-"/>
+            </a:pPr>
+            <a:r>
+              <a:rPr lang="fr-FR" dirty="0" smtClean="0"/>
+              <a:t>En poste depuis 8 ans</a:t>
+            </a:r>
+          </a:p>
+          <a:p>
+            <a:pPr marL="285750" indent="-285750">
+              <a:buFontTx/>
+              <a:buChar char="-"/>
+            </a:pPr>
+            <a:endParaRPr lang="fr-FR" dirty="0"/>
+          </a:p>
+          <a:p>
+            <a:pPr marL="285750" indent="-285750">
+              <a:buFontTx/>
+              <a:buChar char="-"/>
+            </a:pPr>
+            <a:r>
+              <a:rPr lang="fr-FR" dirty="0" smtClean="0"/>
+              <a:t>Emploi du Temps</a:t>
+            </a:r>
+            <a:endParaRPr lang="fr-FR" dirty="0"/>
+          </a:p>
+          <a:p>
+            <a:pPr marL="285750" indent="-285750">
+              <a:buFontTx/>
+              <a:buChar char="-"/>
+            </a:pPr>
+            <a:endParaRPr lang="fr-FR" dirty="0"/>
+          </a:p>
+        </p:txBody>
+      </p:sp>
+      <p:sp>
+        <p:nvSpPr>
+          <p:cNvPr id="12" name="ZoneTexte 11"/>
+          <p:cNvSpPr txBox="1"/>
+          <p:nvPr/>
+        </p:nvSpPr>
+        <p:spPr>
+          <a:xfrm>
+            <a:off x="7375785" y="2430962"/>
+            <a:ext cx="3072983" cy="1754326"/>
+          </a:xfrm>
+          <a:prstGeom prst="rect">
+            <a:avLst/>
+          </a:prstGeom>
+          <a:noFill/>
+        </p:spPr>
+        <p:txBody>
+          <a:bodyPr wrap="square" rtlCol="0">
+            <a:spAutoFit/>
+          </a:bodyPr>
+          <a:lstStyle/>
+          <a:p>
+            <a:pPr marL="285750" indent="-285750">
+              <a:buFontTx/>
+              <a:buChar char="-"/>
+            </a:pPr>
+            <a:r>
+              <a:rPr lang="fr-FR" dirty="0" smtClean="0"/>
+              <a:t>Bulletin Terminale</a:t>
+            </a:r>
+          </a:p>
+          <a:p>
+            <a:pPr marL="285750" indent="-285750">
+              <a:buFontTx/>
+              <a:buChar char="-"/>
+            </a:pPr>
+            <a:endParaRPr lang="fr-FR" dirty="0"/>
+          </a:p>
+          <a:p>
+            <a:pPr marL="285750" indent="-285750">
+              <a:buFontTx/>
+              <a:buChar char="-"/>
+            </a:pPr>
+            <a:r>
+              <a:rPr lang="fr-FR" dirty="0" smtClean="0"/>
+              <a:t>Bulletin Seconde</a:t>
+            </a:r>
+          </a:p>
+          <a:p>
+            <a:pPr marL="285750" indent="-285750">
+              <a:buFontTx/>
+              <a:buChar char="-"/>
+            </a:pPr>
+            <a:endParaRPr lang="fr-FR" dirty="0"/>
+          </a:p>
+          <a:p>
+            <a:pPr marL="285750" indent="-285750">
+              <a:buFontTx/>
+              <a:buChar char="-"/>
+            </a:pPr>
+            <a:r>
+              <a:rPr lang="fr-FR" dirty="0" smtClean="0"/>
+              <a:t>Bulletin Quatrième</a:t>
+            </a:r>
+            <a:endParaRPr lang="fr-FR" dirty="0"/>
+          </a:p>
+          <a:p>
+            <a:pPr marL="285750" indent="-285750">
+              <a:buFontTx/>
+              <a:buChar char="-"/>
+            </a:pPr>
+            <a:endParaRPr lang="fr-FR" dirty="0"/>
+          </a:p>
+        </p:txBody>
+      </p:sp>
+      <p:sp>
+        <p:nvSpPr>
+          <p:cNvPr id="16" name="Rectangle 15"/>
+          <p:cNvSpPr/>
+          <p:nvPr/>
+        </p:nvSpPr>
+        <p:spPr>
+          <a:xfrm flipH="1">
+            <a:off x="6069519" y="1933731"/>
+            <a:ext cx="45719" cy="2683239"/>
+          </a:xfrm>
+          <a:prstGeom prst="rect">
+            <a:avLst/>
+          </a:prstGeom>
+        </p:spPr>
+        <p:style>
+          <a:lnRef idx="2">
+            <a:schemeClr val="dk1">
+              <a:shade val="50000"/>
+            </a:schemeClr>
+          </a:lnRef>
+          <a:fillRef idx="1">
+            <a:schemeClr val="dk1"/>
+          </a:fillRef>
+          <a:effectRef idx="0">
+            <a:schemeClr val="dk1"/>
+          </a:effectRef>
+          <a:fontRef idx="minor">
+            <a:schemeClr val="lt1"/>
+          </a:fontRef>
+        </p:style>
+        <p:txBody>
+          <a:bodyPr rtlCol="0" anchor="ctr"/>
+          <a:lstStyle/>
+          <a:p>
+            <a:pPr algn="ctr"/>
+            <a:endParaRPr lang="fr-FR"/>
+          </a:p>
+        </p:txBody>
+      </p:sp>
+    </p:spTree>
+    <p:extLst>
+      <p:ext uri="{BB962C8B-B14F-4D97-AF65-F5344CB8AC3E}">
+        <p14:creationId xmlns:p14="http://schemas.microsoft.com/office/powerpoint/2010/main" val="870196773"/>
       </p:ext>
     </p:extLst>
   </p:cSld>
@@ -4297,4 +6147,265 @@
     </a:ext>
   </a:extLst>
 </a:theme>
+</file>
+
+<file path=ppt/theme/theme2.xml><?xml version="1.0" encoding="utf-8"?>
+<a:theme xmlns:a="http://schemas.openxmlformats.org/drawingml/2006/main" name="Thème Office">
+  <a:themeElements>
+    <a:clrScheme name="Bureau">
+      <a:dk1>
+        <a:sysClr val="windowText" lastClr="000000"/>
+      </a:dk1>
+      <a:lt1>
+        <a:sysClr val="window" lastClr="FFFFFF"/>
+      </a:lt1>
+      <a:dk2>
+        <a:srgbClr val="44546A"/>
+      </a:dk2>
+      <a:lt2>
+        <a:srgbClr val="E7E6E6"/>
+      </a:lt2>
+      <a:accent1>
+        <a:srgbClr val="4472C4"/>
+      </a:accent1>
+      <a:accent2>
+        <a:srgbClr val="ED7D31"/>
+      </a:accent2>
+      <a:accent3>
+        <a:srgbClr val="A5A5A5"/>
+      </a:accent3>
+      <a:accent4>
+        <a:srgbClr val="FFC000"/>
+      </a:accent4>
+      <a:accent5>
+        <a:srgbClr val="5B9BD5"/>
+      </a:accent5>
+      <a:accent6>
+        <a:srgbClr val="70AD47"/>
+      </a:accent6>
+      <a:hlink>
+        <a:srgbClr val="0563C1"/>
+      </a:hlink>
+      <a:folHlink>
+        <a:srgbClr val="954F72"/>
+      </a:folHlink>
+    </a:clrScheme>
+    <a:fontScheme name="Bureau">
+      <a:majorFont>
+        <a:latin typeface="Calibri Light" panose="020F0302020204030204"/>
+        <a:ea typeface=""/>
+        <a:cs typeface=""/>
+        <a:font script="Jpan" typeface="Yu Gothic Light"/>
+        <a:font script="Hang" typeface="맑은 고딕"/>
+        <a:font script="Hans" typeface="DengXian Light"/>
+        <a:font script="Hant" typeface="新細明體"/>
+        <a:font script="Arab" typeface="Times New Roman"/>
+        <a:font script="Hebr" typeface="Times New Roman"/>
+        <a:font script="Thai" typeface="Angsana New"/>
+        <a:font script="Ethi" typeface="Nyala"/>
+        <a:font script="Beng" typeface="Vrinda"/>
+        <a:font script="Gujr" typeface="Shruti"/>
+        <a:font script="Khmr" typeface="MoolBoran"/>
+        <a:font script="Knda" typeface="Tunga"/>
+        <a:font script="Guru" typeface="Raavi"/>
+        <a:font script="Cans" typeface="Euphemia"/>
+        <a:font script="Cher" typeface="Plantagenet Cherokee"/>
+        <a:font script="Yiii" typeface="Microsoft Yi Baiti"/>
+        <a:font script="Tibt" typeface="Microsoft Himalaya"/>
+        <a:font script="Thaa" typeface="MV Boli"/>
+        <a:font script="Deva" typeface="Mangal"/>
+        <a:font script="Telu" typeface="Gautami"/>
+        <a:font script="Taml" typeface="Latha"/>
+        <a:font script="Syrc" typeface="Estrangelo Edessa"/>
+        <a:font script="Orya" typeface="Kalinga"/>
+        <a:font script="Mlym" typeface="Kartika"/>
+        <a:font script="Laoo" typeface="DokChampa"/>
+        <a:font script="Sinh" typeface="Iskoola Pota"/>
+        <a:font script="Mong" typeface="Mongolian Baiti"/>
+        <a:font script="Viet" typeface="Times New Roman"/>
+        <a:font script="Uigh" typeface="Microsoft Uighur"/>
+        <a:font script="Geor" typeface="Sylfaen"/>
+      </a:majorFont>
+      <a:minorFont>
+        <a:latin typeface="Calibri" panose="020F0502020204030204"/>
+        <a:ea typeface=""/>
+        <a:cs typeface=""/>
+        <a:font script="Jpan" typeface="Yu Gothic"/>
+        <a:font script="Hang" typeface="맑은 고딕"/>
+        <a:font script="Hans" typeface="DengXian"/>
+        <a:font script="Hant" typeface="新細明體"/>
+        <a:font script="Arab" typeface="Arial"/>
+        <a:font script="Hebr" typeface="Arial"/>
+        <a:font script="Thai" typeface="Cordia New"/>
+        <a:font script="Ethi" typeface="Nyala"/>
+        <a:font script="Beng" typeface="Vrinda"/>
+        <a:font script="Gujr" typeface="Shruti"/>
+        <a:font script="Khmr" typeface="DaunPenh"/>
+        <a:font script="Knda" typeface="Tunga"/>
+        <a:font script="Guru" typeface="Raavi"/>
+        <a:font script="Cans" typeface="Euphemia"/>
+        <a:font script="Cher" typeface="Plantagenet Cherokee"/>
+        <a:font script="Yiii" typeface="Microsoft Yi Baiti"/>
+        <a:font script="Tibt" typeface="Microsoft Himalaya"/>
+        <a:font script="Thaa" typeface="MV Boli"/>
+        <a:font script="Deva" typeface="Mangal"/>
+        <a:font script="Telu" typeface="Gautami"/>
+        <a:font script="Taml" typeface="Latha"/>
+        <a:font script="Syrc" typeface="Estrangelo Edessa"/>
+        <a:font script="Orya" typeface="Kalinga"/>
+        <a:font script="Mlym" typeface="Kartika"/>
+        <a:font script="Laoo" typeface="DokChampa"/>
+        <a:font script="Sinh" typeface="Iskoola Pota"/>
+        <a:font script="Mong" typeface="Mongolian Baiti"/>
+        <a:font script="Viet" typeface="Arial"/>
+        <a:font script="Uigh" typeface="Microsoft Uighur"/>
+        <a:font script="Geor" typeface="Sylfaen"/>
+      </a:minorFont>
+    </a:fontScheme>
+    <a:fmtScheme name="Bureau">
+      <a:fillStyleLst>
+        <a:solidFill>
+          <a:schemeClr val="phClr"/>
+        </a:solidFill>
+        <a:gradFill rotWithShape="1">
+          <a:gsLst>
+            <a:gs pos="0">
+              <a:schemeClr val="phClr">
+                <a:lumMod val="110000"/>
+                <a:satMod val="105000"/>
+                <a:tint val="67000"/>
+              </a:schemeClr>
+            </a:gs>
+            <a:gs pos="50000">
+              <a:schemeClr val="phClr">
+                <a:lumMod val="105000"/>
+                <a:satMod val="103000"/>
+                <a:tint val="73000"/>
+              </a:schemeClr>
+            </a:gs>
+            <a:gs pos="100000">
+              <a:schemeClr val="phClr">
+                <a:lumMod val="105000"/>
+                <a:satMod val="109000"/>
+                <a:tint val="81000"/>
+              </a:schemeClr>
+            </a:gs>
+          </a:gsLst>
+          <a:lin ang="5400000" scaled="0"/>
+        </a:gradFill>
+        <a:gradFill rotWithShape="1">
+          <a:gsLst>
+            <a:gs pos="0">
+              <a:schemeClr val="phClr">
+                <a:satMod val="103000"/>
+                <a:lumMod val="102000"/>
+                <a:tint val="94000"/>
+              </a:schemeClr>
+            </a:gs>
+            <a:gs pos="50000">
+              <a:schemeClr val="phClr">
+                <a:satMod val="110000"/>
+                <a:lumMod val="100000"/>
+                <a:shade val="100000"/>
+              </a:schemeClr>
+            </a:gs>
+            <a:gs pos="100000">
+              <a:schemeClr val="phClr">
+                <a:lumMod val="99000"/>
+                <a:satMod val="120000"/>
+                <a:shade val="78000"/>
+              </a:schemeClr>
+            </a:gs>
+          </a:gsLst>
+          <a:lin ang="5400000" scaled="0"/>
+        </a:gradFill>
+      </a:fillStyleLst>
+      <a:lnStyleLst>
+        <a:ln w="6350" cap="flat" cmpd="sng" algn="ctr">
+          <a:solidFill>
+            <a:schemeClr val="phClr"/>
+          </a:solidFill>
+          <a:prstDash val="solid"/>
+          <a:miter lim="800000"/>
+        </a:ln>
+        <a:ln w="12700" cap="flat" cmpd="sng" algn="ctr">
+          <a:solidFill>
+            <a:schemeClr val="phClr"/>
+          </a:solidFill>
+          <a:prstDash val="solid"/>
+          <a:miter lim="800000"/>
+        </a:ln>
+        <a:ln w="19050" cap="flat" cmpd="sng" algn="ctr">
+          <a:solidFill>
+            <a:schemeClr val="phClr"/>
+          </a:solidFill>
+          <a:prstDash val="solid"/>
+          <a:miter lim="800000"/>
+        </a:ln>
+      </a:lnStyleLst>
+      <a:effectStyleLst>
+        <a:effectStyle>
+          <a:effectLst/>
+        </a:effectStyle>
+        <a:effectStyle>
+          <a:effectLst/>
+        </a:effectStyle>
+        <a:effectStyle>
+          <a:effectLst>
+            <a:outerShdw blurRad="57150" dist="19050" dir="5400000" algn="ctr" rotWithShape="0">
+              <a:srgbClr val="000000">
+                <a:alpha val="63000"/>
+              </a:srgbClr>
+            </a:outerShdw>
+          </a:effectLst>
+        </a:effectStyle>
+      </a:effectStyleLst>
+      <a:bgFillStyleLst>
+        <a:solidFill>
+          <a:schemeClr val="phClr"/>
+        </a:solidFill>
+        <a:solidFill>
+          <a:schemeClr val="phClr">
+            <a:tint val="95000"/>
+            <a:satMod val="170000"/>
+          </a:schemeClr>
+        </a:solidFill>
+        <a:gradFill rotWithShape="1">
+          <a:gsLst>
+            <a:gs pos="0">
+              <a:schemeClr val="phClr">
+                <a:tint val="93000"/>
+                <a:satMod val="150000"/>
+                <a:shade val="98000"/>
+                <a:lumMod val="102000"/>
+              </a:schemeClr>
+            </a:gs>
+            <a:gs pos="50000">
+              <a:schemeClr val="phClr">
+                <a:tint val="98000"/>
+                <a:satMod val="130000"/>
+                <a:shade val="90000"/>
+                <a:lumMod val="103000"/>
+              </a:schemeClr>
+            </a:gs>
+            <a:gs pos="100000">
+              <a:schemeClr val="phClr">
+                <a:shade val="63000"/>
+                <a:satMod val="120000"/>
+              </a:schemeClr>
+            </a:gs>
+          </a:gsLst>
+          <a:lin ang="5400000" scaled="0"/>
+        </a:gradFill>
+      </a:bgFillStyleLst>
+    </a:fmtScheme>
+  </a:themeElements>
+  <a:objectDefaults/>
+  <a:extraClrSchemeLst/>
+  <a:extLst>
+    <a:ext uri="{05A4C25C-085E-4340-85A3-A5531E510DB2}">
+      <thm15:themeFamily xmlns:thm15="http://schemas.microsoft.com/office/thememl/2012/main" name="Office Theme" id="{62F939B6-93AF-4DB8-9C6B-D6C7DFDC589F}" vid="{4A3C46E8-61CC-4603-A589-7422A47A8E4A}"/>
+    </a:ext>
+  </a:extLst>
+</a:theme>
 </file>
--- a/Presentation POO Java.pptx
+++ b/Presentation POO Java.pptx
@@ -203,7 +203,7 @@
           <a:p>
             <a:fld id="{CFC5429D-8CC0-BB41-9BEF-37A87B9448C6}" type="datetimeFigureOut">
               <a:rPr lang="fr-FR" smtClean="0"/>
-              <a:t>05/06/2019</a:t>
+              <a:t>09/06/2019</a:t>
             </a:fld>
             <a:endParaRPr lang="fr-FR"/>
           </a:p>
@@ -267,38 +267,37 @@
           <a:p>
             <a:pPr lvl="0"/>
             <a:r>
-              <a:rPr lang="fr-FR" smtClean="0"/>
+              <a:rPr lang="fr-FR"/>
               <a:t>Cliquez pour modifier les styles du texte du masque</a:t>
             </a:r>
           </a:p>
           <a:p>
             <a:pPr lvl="1"/>
             <a:r>
-              <a:rPr lang="fr-FR" smtClean="0"/>
+              <a:rPr lang="fr-FR"/>
               <a:t>Deuxième niveau</a:t>
             </a:r>
           </a:p>
           <a:p>
             <a:pPr lvl="2"/>
             <a:r>
-              <a:rPr lang="fr-FR" smtClean="0"/>
+              <a:rPr lang="fr-FR"/>
               <a:t>Troisième niveau</a:t>
             </a:r>
           </a:p>
           <a:p>
             <a:pPr lvl="3"/>
             <a:r>
-              <a:rPr lang="fr-FR" smtClean="0"/>
+              <a:rPr lang="fr-FR"/>
               <a:t>Quatrième niveau</a:t>
             </a:r>
           </a:p>
           <a:p>
             <a:pPr lvl="4"/>
             <a:r>
-              <a:rPr lang="fr-FR" smtClean="0"/>
+              <a:rPr lang="fr-FR"/>
               <a:t>Cinquième niveau</a:t>
             </a:r>
-            <a:endParaRPr lang="fr-FR"/>
           </a:p>
         </p:txBody>
       </p:sp>
@@ -362,7 +361,7 @@
           <a:p>
             <a:fld id="{47B25834-0463-DA43-9889-620F048CBCAE}" type="slidenum">
               <a:rPr lang="fr-FR" smtClean="0"/>
-              <a:t>‹#›</a:t>
+              <a:t>‹N°›</a:t>
             </a:fld>
             <a:endParaRPr lang="fr-FR"/>
           </a:p>
@@ -535,7 +534,7 @@
           </a:lstStyle>
           <a:p>
             <a:r>
-              <a:rPr lang="fr-FR" smtClean="0"/>
+              <a:rPr lang="fr-FR"/>
               <a:t>Cliquez et modifiez le titre</a:t>
             </a:r>
             <a:endParaRPr lang="en-US" dirty="0"/>
@@ -610,7 +609,7 @@
           </a:lstStyle>
           <a:p>
             <a:r>
-              <a:rPr lang="fr-FR" smtClean="0"/>
+              <a:rPr lang="fr-FR"/>
               <a:t>Cliquez pour modifier le style des sous-titres du masque</a:t>
             </a:r>
             <a:endParaRPr lang="en-US" dirty="0"/>
@@ -634,7 +633,7 @@
           <a:p>
             <a:fld id="{929B6379-BAE7-4A45-ABE9-3E88C2B55842}" type="datetimeFigureOut">
               <a:rPr lang="fr-FR" smtClean="0"/>
-              <a:t>05/06/2019</a:t>
+              <a:t>09/06/2019</a:t>
             </a:fld>
             <a:endParaRPr lang="fr-FR"/>
           </a:p>
@@ -676,7 +675,7 @@
           <a:p>
             <a:fld id="{9571C1CC-23F6-8A4A-9CE0-8369CDE0D4EF}" type="slidenum">
               <a:rPr lang="fr-FR" smtClean="0"/>
-              <a:t>‹#›</a:t>
+              <a:t>‹N°›</a:t>
             </a:fld>
             <a:endParaRPr lang="fr-FR"/>
           </a:p>
@@ -723,7 +722,7 @@
           <a:lstStyle/>
           <a:p>
             <a:r>
-              <a:rPr lang="fr-FR" smtClean="0"/>
+              <a:rPr lang="fr-FR"/>
               <a:t>Cliquez et modifiez le titre</a:t>
             </a:r>
             <a:endParaRPr lang="en-US" dirty="0"/>
@@ -747,35 +746,35 @@
           <a:p>
             <a:pPr lvl="0"/>
             <a:r>
-              <a:rPr lang="fr-FR" smtClean="0"/>
+              <a:rPr lang="fr-FR"/>
               <a:t>Cliquez pour modifier les styles du texte du masque</a:t>
             </a:r>
           </a:p>
           <a:p>
             <a:pPr lvl="1"/>
             <a:r>
-              <a:rPr lang="fr-FR" smtClean="0"/>
+              <a:rPr lang="fr-FR"/>
               <a:t>Deuxième niveau</a:t>
             </a:r>
           </a:p>
           <a:p>
             <a:pPr lvl="2"/>
             <a:r>
-              <a:rPr lang="fr-FR" smtClean="0"/>
+              <a:rPr lang="fr-FR"/>
               <a:t>Troisième niveau</a:t>
             </a:r>
           </a:p>
           <a:p>
             <a:pPr lvl="3"/>
             <a:r>
-              <a:rPr lang="fr-FR" smtClean="0"/>
+              <a:rPr lang="fr-FR"/>
               <a:t>Quatrième niveau</a:t>
             </a:r>
           </a:p>
           <a:p>
             <a:pPr lvl="4"/>
             <a:r>
-              <a:rPr lang="fr-FR" smtClean="0"/>
+              <a:rPr lang="fr-FR"/>
               <a:t>Cinquième niveau</a:t>
             </a:r>
             <a:endParaRPr lang="en-US" dirty="0"/>
@@ -799,7 +798,7 @@
           <a:p>
             <a:fld id="{929B6379-BAE7-4A45-ABE9-3E88C2B55842}" type="datetimeFigureOut">
               <a:rPr lang="fr-FR" smtClean="0"/>
-              <a:t>05/06/2019</a:t>
+              <a:t>09/06/2019</a:t>
             </a:fld>
             <a:endParaRPr lang="fr-FR"/>
           </a:p>
@@ -841,7 +840,7 @@
           <a:p>
             <a:fld id="{9571C1CC-23F6-8A4A-9CE0-8369CDE0D4EF}" type="slidenum">
               <a:rPr lang="fr-FR" smtClean="0"/>
-              <a:t>‹#›</a:t>
+              <a:t>‹N°›</a:t>
             </a:fld>
             <a:endParaRPr lang="fr-FR"/>
           </a:p>
@@ -893,7 +892,7 @@
           <a:lstStyle/>
           <a:p>
             <a:r>
-              <a:rPr lang="fr-FR" smtClean="0"/>
+              <a:rPr lang="fr-FR"/>
               <a:t>Cliquez et modifiez le titre</a:t>
             </a:r>
             <a:endParaRPr lang="en-US" dirty="0"/>
@@ -922,35 +921,35 @@
           <a:p>
             <a:pPr lvl="0"/>
             <a:r>
-              <a:rPr lang="fr-FR" smtClean="0"/>
+              <a:rPr lang="fr-FR"/>
               <a:t>Cliquez pour modifier les styles du texte du masque</a:t>
             </a:r>
           </a:p>
           <a:p>
             <a:pPr lvl="1"/>
             <a:r>
-              <a:rPr lang="fr-FR" smtClean="0"/>
+              <a:rPr lang="fr-FR"/>
               <a:t>Deuxième niveau</a:t>
             </a:r>
           </a:p>
           <a:p>
             <a:pPr lvl="2"/>
             <a:r>
-              <a:rPr lang="fr-FR" smtClean="0"/>
+              <a:rPr lang="fr-FR"/>
               <a:t>Troisième niveau</a:t>
             </a:r>
           </a:p>
           <a:p>
             <a:pPr lvl="3"/>
             <a:r>
-              <a:rPr lang="fr-FR" smtClean="0"/>
+              <a:rPr lang="fr-FR"/>
               <a:t>Quatrième niveau</a:t>
             </a:r>
           </a:p>
           <a:p>
             <a:pPr lvl="4"/>
             <a:r>
-              <a:rPr lang="fr-FR" smtClean="0"/>
+              <a:rPr lang="fr-FR"/>
               <a:t>Cinquième niveau</a:t>
             </a:r>
             <a:endParaRPr lang="en-US" dirty="0"/>
@@ -974,7 +973,7 @@
           <a:p>
             <a:fld id="{929B6379-BAE7-4A45-ABE9-3E88C2B55842}" type="datetimeFigureOut">
               <a:rPr lang="fr-FR" smtClean="0"/>
-              <a:t>05/06/2019</a:t>
+              <a:t>09/06/2019</a:t>
             </a:fld>
             <a:endParaRPr lang="fr-FR"/>
           </a:p>
@@ -1016,7 +1015,7 @@
           <a:p>
             <a:fld id="{9571C1CC-23F6-8A4A-9CE0-8369CDE0D4EF}" type="slidenum">
               <a:rPr lang="fr-FR" smtClean="0"/>
-              <a:t>‹#›</a:t>
+              <a:t>‹N°›</a:t>
             </a:fld>
             <a:endParaRPr lang="fr-FR"/>
           </a:p>
@@ -1063,7 +1062,7 @@
           <a:lstStyle/>
           <a:p>
             <a:r>
-              <a:rPr lang="fr-FR" smtClean="0"/>
+              <a:rPr lang="fr-FR"/>
               <a:t>Cliquez et modifiez le titre</a:t>
             </a:r>
             <a:endParaRPr lang="en-US" dirty="0"/>
@@ -1087,35 +1086,35 @@
           <a:p>
             <a:pPr lvl="0"/>
             <a:r>
-              <a:rPr lang="fr-FR" smtClean="0"/>
+              <a:rPr lang="fr-FR"/>
               <a:t>Cliquez pour modifier les styles du texte du masque</a:t>
             </a:r>
           </a:p>
           <a:p>
             <a:pPr lvl="1"/>
             <a:r>
-              <a:rPr lang="fr-FR" smtClean="0"/>
+              <a:rPr lang="fr-FR"/>
               <a:t>Deuxième niveau</a:t>
             </a:r>
           </a:p>
           <a:p>
             <a:pPr lvl="2"/>
             <a:r>
-              <a:rPr lang="fr-FR" smtClean="0"/>
+              <a:rPr lang="fr-FR"/>
               <a:t>Troisième niveau</a:t>
             </a:r>
           </a:p>
           <a:p>
             <a:pPr lvl="3"/>
             <a:r>
-              <a:rPr lang="fr-FR" smtClean="0"/>
+              <a:rPr lang="fr-FR"/>
               <a:t>Quatrième niveau</a:t>
             </a:r>
           </a:p>
           <a:p>
             <a:pPr lvl="4"/>
             <a:r>
-              <a:rPr lang="fr-FR" smtClean="0"/>
+              <a:rPr lang="fr-FR"/>
               <a:t>Cinquième niveau</a:t>
             </a:r>
             <a:endParaRPr lang="en-US" dirty="0"/>
@@ -1139,7 +1138,7 @@
           <a:p>
             <a:fld id="{929B6379-BAE7-4A45-ABE9-3E88C2B55842}" type="datetimeFigureOut">
               <a:rPr lang="fr-FR" smtClean="0"/>
-              <a:t>05/06/2019</a:t>
+              <a:t>09/06/2019</a:t>
             </a:fld>
             <a:endParaRPr lang="fr-FR"/>
           </a:p>
@@ -1181,7 +1180,7 @@
           <a:p>
             <a:fld id="{9571C1CC-23F6-8A4A-9CE0-8369CDE0D4EF}" type="slidenum">
               <a:rPr lang="fr-FR" smtClean="0"/>
-              <a:t>‹#›</a:t>
+              <a:t>‹N°›</a:t>
             </a:fld>
             <a:endParaRPr lang="fr-FR"/>
           </a:p>
@@ -1259,7 +1258,7 @@
           </a:lstStyle>
           <a:p>
             <a:r>
-              <a:rPr lang="fr-FR" smtClean="0"/>
+              <a:rPr lang="fr-FR"/>
               <a:t>Cliquez et modifiez le titre</a:t>
             </a:r>
             <a:endParaRPr lang="en-US" dirty="0"/>
@@ -1379,7 +1378,7 @@
           <a:p>
             <a:pPr lvl="0"/>
             <a:r>
-              <a:rPr lang="fr-FR" smtClean="0"/>
+              <a:rPr lang="fr-FR"/>
               <a:t>Cliquez pour modifier les styles du texte du masque</a:t>
             </a:r>
           </a:p>
@@ -1402,7 +1401,7 @@
           <a:p>
             <a:fld id="{929B6379-BAE7-4A45-ABE9-3E88C2B55842}" type="datetimeFigureOut">
               <a:rPr lang="fr-FR" smtClean="0"/>
-              <a:t>05/06/2019</a:t>
+              <a:t>09/06/2019</a:t>
             </a:fld>
             <a:endParaRPr lang="fr-FR"/>
           </a:p>
@@ -1444,7 +1443,7 @@
           <a:p>
             <a:fld id="{9571C1CC-23F6-8A4A-9CE0-8369CDE0D4EF}" type="slidenum">
               <a:rPr lang="fr-FR" smtClean="0"/>
-              <a:t>‹#›</a:t>
+              <a:t>‹N°›</a:t>
             </a:fld>
             <a:endParaRPr lang="fr-FR"/>
           </a:p>
@@ -1491,7 +1490,7 @@
           <a:lstStyle/>
           <a:p>
             <a:r>
-              <a:rPr lang="fr-FR" smtClean="0"/>
+              <a:rPr lang="fr-FR"/>
               <a:t>Cliquez et modifiez le titre</a:t>
             </a:r>
             <a:endParaRPr lang="en-US" dirty="0"/>
@@ -1520,35 +1519,35 @@
           <a:p>
             <a:pPr lvl="0"/>
             <a:r>
-              <a:rPr lang="fr-FR" smtClean="0"/>
+              <a:rPr lang="fr-FR"/>
               <a:t>Cliquez pour modifier les styles du texte du masque</a:t>
             </a:r>
           </a:p>
           <a:p>
             <a:pPr lvl="1"/>
             <a:r>
-              <a:rPr lang="fr-FR" smtClean="0"/>
+              <a:rPr lang="fr-FR"/>
               <a:t>Deuxième niveau</a:t>
             </a:r>
           </a:p>
           <a:p>
             <a:pPr lvl="2"/>
             <a:r>
-              <a:rPr lang="fr-FR" smtClean="0"/>
+              <a:rPr lang="fr-FR"/>
               <a:t>Troisième niveau</a:t>
             </a:r>
           </a:p>
           <a:p>
             <a:pPr lvl="3"/>
             <a:r>
-              <a:rPr lang="fr-FR" smtClean="0"/>
+              <a:rPr lang="fr-FR"/>
               <a:t>Quatrième niveau</a:t>
             </a:r>
           </a:p>
           <a:p>
             <a:pPr lvl="4"/>
             <a:r>
-              <a:rPr lang="fr-FR" smtClean="0"/>
+              <a:rPr lang="fr-FR"/>
               <a:t>Cinquième niveau</a:t>
             </a:r>
             <a:endParaRPr lang="en-US" dirty="0"/>
@@ -1577,35 +1576,35 @@
           <a:p>
             <a:pPr lvl="0"/>
             <a:r>
-              <a:rPr lang="fr-FR" smtClean="0"/>
+              <a:rPr lang="fr-FR"/>
               <a:t>Cliquez pour modifier les styles du texte du masque</a:t>
             </a:r>
           </a:p>
           <a:p>
             <a:pPr lvl="1"/>
             <a:r>
-              <a:rPr lang="fr-FR" smtClean="0"/>
+              <a:rPr lang="fr-FR"/>
               <a:t>Deuxième niveau</a:t>
             </a:r>
           </a:p>
           <a:p>
             <a:pPr lvl="2"/>
             <a:r>
-              <a:rPr lang="fr-FR" smtClean="0"/>
+              <a:rPr lang="fr-FR"/>
               <a:t>Troisième niveau</a:t>
             </a:r>
           </a:p>
           <a:p>
             <a:pPr lvl="3"/>
             <a:r>
-              <a:rPr lang="fr-FR" smtClean="0"/>
+              <a:rPr lang="fr-FR"/>
               <a:t>Quatrième niveau</a:t>
             </a:r>
           </a:p>
           <a:p>
             <a:pPr lvl="4"/>
             <a:r>
-              <a:rPr lang="fr-FR" smtClean="0"/>
+              <a:rPr lang="fr-FR"/>
               <a:t>Cinquième niveau</a:t>
             </a:r>
             <a:endParaRPr lang="en-US" dirty="0"/>
@@ -1629,7 +1628,7 @@
           <a:p>
             <a:fld id="{929B6379-BAE7-4A45-ABE9-3E88C2B55842}" type="datetimeFigureOut">
               <a:rPr lang="fr-FR" smtClean="0"/>
-              <a:t>05/06/2019</a:t>
+              <a:t>09/06/2019</a:t>
             </a:fld>
             <a:endParaRPr lang="fr-FR"/>
           </a:p>
@@ -1671,7 +1670,7 @@
           <a:p>
             <a:fld id="{9571C1CC-23F6-8A4A-9CE0-8369CDE0D4EF}" type="slidenum">
               <a:rPr lang="fr-FR" smtClean="0"/>
-              <a:t>‹#›</a:t>
+              <a:t>‹N°›</a:t>
             </a:fld>
             <a:endParaRPr lang="fr-FR"/>
           </a:p>
@@ -1769,7 +1768,7 @@
           <a:p>
             <a:pPr lvl="0"/>
             <a:r>
-              <a:rPr lang="fr-FR" smtClean="0"/>
+              <a:rPr lang="fr-FR"/>
               <a:t>Cliquez pour modifier les styles du texte du masque</a:t>
             </a:r>
           </a:p>
@@ -1797,35 +1796,35 @@
           <a:p>
             <a:pPr lvl="0"/>
             <a:r>
-              <a:rPr lang="fr-FR" smtClean="0"/>
+              <a:rPr lang="fr-FR"/>
               <a:t>Cliquez pour modifier les styles du texte du masque</a:t>
             </a:r>
           </a:p>
           <a:p>
             <a:pPr lvl="1"/>
             <a:r>
-              <a:rPr lang="fr-FR" smtClean="0"/>
+              <a:rPr lang="fr-FR"/>
               <a:t>Deuxième niveau</a:t>
             </a:r>
           </a:p>
           <a:p>
             <a:pPr lvl="2"/>
             <a:r>
-              <a:rPr lang="fr-FR" smtClean="0"/>
+              <a:rPr lang="fr-FR"/>
               <a:t>Troisième niveau</a:t>
             </a:r>
           </a:p>
           <a:p>
             <a:pPr lvl="3"/>
             <a:r>
-              <a:rPr lang="fr-FR" smtClean="0"/>
+              <a:rPr lang="fr-FR"/>
               <a:t>Quatrième niveau</a:t>
             </a:r>
           </a:p>
           <a:p>
             <a:pPr lvl="4"/>
             <a:r>
-              <a:rPr lang="fr-FR" smtClean="0"/>
+              <a:rPr lang="fr-FR"/>
               <a:t>Cinquième niveau</a:t>
             </a:r>
             <a:endParaRPr lang="en-US" dirty="0"/>
@@ -1858,35 +1857,35 @@
           <a:p>
             <a:pPr lvl="0"/>
             <a:r>
-              <a:rPr lang="fr-FR" smtClean="0"/>
+              <a:rPr lang="fr-FR"/>
               <a:t>Cliquez pour modifier les styles du texte du masque</a:t>
             </a:r>
           </a:p>
           <a:p>
             <a:pPr lvl="1"/>
             <a:r>
-              <a:rPr lang="fr-FR" smtClean="0"/>
+              <a:rPr lang="fr-FR"/>
               <a:t>Deuxième niveau</a:t>
             </a:r>
           </a:p>
           <a:p>
             <a:pPr lvl="2"/>
             <a:r>
-              <a:rPr lang="fr-FR" smtClean="0"/>
+              <a:rPr lang="fr-FR"/>
               <a:t>Troisième niveau</a:t>
             </a:r>
           </a:p>
           <a:p>
             <a:pPr lvl="3"/>
             <a:r>
-              <a:rPr lang="fr-FR" smtClean="0"/>
+              <a:rPr lang="fr-FR"/>
               <a:t>Quatrième niveau</a:t>
             </a:r>
           </a:p>
           <a:p>
             <a:pPr lvl="4"/>
             <a:r>
-              <a:rPr lang="fr-FR" smtClean="0"/>
+              <a:rPr lang="fr-FR"/>
               <a:t>Cinquième niveau</a:t>
             </a:r>
             <a:endParaRPr lang="en-US" dirty="0"/>
@@ -1960,7 +1959,7 @@
           <a:p>
             <a:pPr lvl="0"/>
             <a:r>
-              <a:rPr lang="fr-FR" smtClean="0"/>
+              <a:rPr lang="fr-FR"/>
               <a:t>Cliquez pour modifier les styles du texte du masque</a:t>
             </a:r>
           </a:p>
@@ -1983,7 +1982,7 @@
           <a:p>
             <a:fld id="{929B6379-BAE7-4A45-ABE9-3E88C2B55842}" type="datetimeFigureOut">
               <a:rPr lang="fr-FR" smtClean="0"/>
-              <a:t>05/06/2019</a:t>
+              <a:t>09/06/2019</a:t>
             </a:fld>
             <a:endParaRPr lang="fr-FR"/>
           </a:p>
@@ -2025,7 +2024,7 @@
           <a:p>
             <a:fld id="{9571C1CC-23F6-8A4A-9CE0-8369CDE0D4EF}" type="slidenum">
               <a:rPr lang="fr-FR" smtClean="0"/>
-              <a:t>‹#›</a:t>
+              <a:t>‹N°›</a:t>
             </a:fld>
             <a:endParaRPr lang="fr-FR"/>
           </a:p>
@@ -2047,7 +2046,7 @@
           <a:lstStyle/>
           <a:p>
             <a:r>
-              <a:rPr lang="fr-FR" smtClean="0"/>
+              <a:rPr lang="fr-FR"/>
               <a:t>Cliquez et modifiez le titre</a:t>
             </a:r>
             <a:endParaRPr lang="en-US" dirty="0"/>
@@ -2095,7 +2094,7 @@
           <a:lstStyle/>
           <a:p>
             <a:r>
-              <a:rPr lang="fr-FR" smtClean="0"/>
+              <a:rPr lang="fr-FR"/>
               <a:t>Cliquez et modifiez le titre</a:t>
             </a:r>
             <a:endParaRPr lang="en-US" dirty="0"/>
@@ -2119,7 +2118,7 @@
           <a:p>
             <a:fld id="{929B6379-BAE7-4A45-ABE9-3E88C2B55842}" type="datetimeFigureOut">
               <a:rPr lang="fr-FR" smtClean="0"/>
-              <a:t>05/06/2019</a:t>
+              <a:t>09/06/2019</a:t>
             </a:fld>
             <a:endParaRPr lang="fr-FR"/>
           </a:p>
@@ -2161,7 +2160,7 @@
           <a:p>
             <a:fld id="{9571C1CC-23F6-8A4A-9CE0-8369CDE0D4EF}" type="slidenum">
               <a:rPr lang="fr-FR" smtClean="0"/>
-              <a:t>‹#›</a:t>
+              <a:t>‹N°›</a:t>
             </a:fld>
             <a:endParaRPr lang="fr-FR"/>
           </a:p>
@@ -2209,7 +2208,7 @@
           <a:p>
             <a:fld id="{929B6379-BAE7-4A45-ABE9-3E88C2B55842}" type="datetimeFigureOut">
               <a:rPr lang="fr-FR" smtClean="0"/>
-              <a:t>05/06/2019</a:t>
+              <a:t>09/06/2019</a:t>
             </a:fld>
             <a:endParaRPr lang="fr-FR"/>
           </a:p>
@@ -2251,7 +2250,7 @@
           <a:p>
             <a:fld id="{9571C1CC-23F6-8A4A-9CE0-8369CDE0D4EF}" type="slidenum">
               <a:rPr lang="fr-FR" smtClean="0"/>
-              <a:t>‹#›</a:t>
+              <a:t>‹N°›</a:t>
             </a:fld>
             <a:endParaRPr lang="fr-FR"/>
           </a:p>
@@ -2359,7 +2358,7 @@
           </a:lstStyle>
           <a:p>
             <a:r>
-              <a:rPr lang="fr-FR" smtClean="0"/>
+              <a:rPr lang="fr-FR"/>
               <a:t>Cliquez et modifiez le titre</a:t>
             </a:r>
             <a:endParaRPr lang="en-US" dirty="0"/>
@@ -2438,35 +2437,35 @@
           <a:p>
             <a:pPr lvl="0"/>
             <a:r>
-              <a:rPr lang="fr-FR" smtClean="0"/>
+              <a:rPr lang="fr-FR"/>
               <a:t>Cliquez pour modifier les styles du texte du masque</a:t>
             </a:r>
           </a:p>
           <a:p>
             <a:pPr lvl="1"/>
             <a:r>
-              <a:rPr lang="fr-FR" smtClean="0"/>
+              <a:rPr lang="fr-FR"/>
               <a:t>Deuxième niveau</a:t>
             </a:r>
           </a:p>
           <a:p>
             <a:pPr lvl="2"/>
             <a:r>
-              <a:rPr lang="fr-FR" smtClean="0"/>
+              <a:rPr lang="fr-FR"/>
               <a:t>Troisième niveau</a:t>
             </a:r>
           </a:p>
           <a:p>
             <a:pPr lvl="3"/>
             <a:r>
-              <a:rPr lang="fr-FR" smtClean="0"/>
+              <a:rPr lang="fr-FR"/>
               <a:t>Quatrième niveau</a:t>
             </a:r>
           </a:p>
           <a:p>
             <a:pPr lvl="4"/>
             <a:r>
-              <a:rPr lang="fr-FR" smtClean="0"/>
+              <a:rPr lang="fr-FR"/>
               <a:t>Cinquième niveau</a:t>
             </a:r>
             <a:endParaRPr lang="en-US" dirty="0"/>
@@ -2538,7 +2537,7 @@
           <a:p>
             <a:pPr lvl="0"/>
             <a:r>
-              <a:rPr lang="fr-FR" smtClean="0"/>
+              <a:rPr lang="fr-FR"/>
               <a:t>Cliquez pour modifier les styles du texte du masque</a:t>
             </a:r>
           </a:p>
@@ -2561,7 +2560,7 @@
           <a:p>
             <a:fld id="{929B6379-BAE7-4A45-ABE9-3E88C2B55842}" type="datetimeFigureOut">
               <a:rPr lang="fr-FR" smtClean="0"/>
-              <a:t>05/06/2019</a:t>
+              <a:t>09/06/2019</a:t>
             </a:fld>
             <a:endParaRPr lang="fr-FR"/>
           </a:p>
@@ -2618,7 +2617,7 @@
           <a:p>
             <a:fld id="{9571C1CC-23F6-8A4A-9CE0-8369CDE0D4EF}" type="slidenum">
               <a:rPr lang="fr-FR" smtClean="0"/>
-              <a:t>‹#›</a:t>
+              <a:t>‹N°›</a:t>
             </a:fld>
             <a:endParaRPr lang="fr-FR"/>
           </a:p>
@@ -2726,7 +2725,7 @@
           </a:lstStyle>
           <a:p>
             <a:r>
-              <a:rPr lang="fr-FR" smtClean="0"/>
+              <a:rPr lang="fr-FR"/>
               <a:t>Cliquez et modifiez le titre</a:t>
             </a:r>
             <a:endParaRPr lang="en-US" dirty="0"/>
@@ -2803,7 +2802,7 @@
           </a:lstStyle>
           <a:p>
             <a:r>
-              <a:rPr lang="fr-FR" smtClean="0"/>
+              <a:rPr lang="fr-FR"/>
               <a:t>Faire glisser l'image vers l'espace réservé ou cliquer sur l'icône pour l'ajouter</a:t>
             </a:r>
             <a:endParaRPr lang="en-US" dirty="0"/>
@@ -2875,7 +2874,7 @@
           <a:p>
             <a:pPr lvl="0"/>
             <a:r>
-              <a:rPr lang="fr-FR" smtClean="0"/>
+              <a:rPr lang="fr-FR"/>
               <a:t>Cliquez pour modifier les styles du texte du masque</a:t>
             </a:r>
           </a:p>
@@ -2913,7 +2912,7 @@
           <a:p>
             <a:fld id="{929B6379-BAE7-4A45-ABE9-3E88C2B55842}" type="datetimeFigureOut">
               <a:rPr lang="fr-FR" smtClean="0"/>
-              <a:t>05/06/2019</a:t>
+              <a:t>09/06/2019</a:t>
             </a:fld>
             <a:endParaRPr lang="fr-FR"/>
           </a:p>
@@ -2970,7 +2969,7 @@
           <a:p>
             <a:fld id="{9571C1CC-23F6-8A4A-9CE0-8369CDE0D4EF}" type="slidenum">
               <a:rPr lang="fr-FR" smtClean="0"/>
-              <a:t>‹#›</a:t>
+              <a:t>‹N°›</a:t>
             </a:fld>
             <a:endParaRPr lang="fr-FR"/>
           </a:p>
@@ -3046,7 +3045,7 @@
           <a:lstStyle/>
           <a:p>
             <a:r>
-              <a:rPr lang="fr-FR" smtClean="0"/>
+              <a:rPr lang="fr-FR"/>
               <a:t>Cliquez et modifiez le titre</a:t>
             </a:r>
             <a:endParaRPr lang="en-US" dirty="0"/>
@@ -3149,7 +3148,7 @@
           <a:p>
             <a:fld id="{929B6379-BAE7-4A45-ABE9-3E88C2B55842}" type="datetimeFigureOut">
               <a:rPr lang="fr-FR" smtClean="0"/>
-              <a:t>05/06/2019</a:t>
+              <a:t>09/06/2019</a:t>
             </a:fld>
             <a:endParaRPr lang="fr-FR"/>
           </a:p>
@@ -3232,7 +3231,7 @@
           <a:p>
             <a:fld id="{9571C1CC-23F6-8A4A-9CE0-8369CDE0D4EF}" type="slidenum">
               <a:rPr lang="fr-FR" smtClean="0"/>
-              <a:t>‹#›</a:t>
+              <a:t>‹N°›</a:t>
             </a:fld>
             <a:endParaRPr lang="fr-FR"/>
           </a:p>
@@ -3625,7 +3624,7 @@
           <a:p>
             <a:pPr algn="ctr"/>
             <a:r>
-              <a:rPr lang="fr-FR" sz="4400" dirty="0" smtClean="0"/>
+              <a:rPr lang="fr-FR" sz="4400" dirty="0"/>
               <a:t>Projet POO Java</a:t>
             </a:r>
             <a:endParaRPr lang="fr-FR" dirty="0"/>
@@ -3655,31 +3654,26 @@
           <a:lstStyle/>
           <a:p>
             <a:r>
-              <a:rPr lang="fr-FR" dirty="0" smtClean="0"/>
+              <a:rPr lang="fr-FR" dirty="0"/>
               <a:t>Wilfrid Kirgener de Planta</a:t>
             </a:r>
           </a:p>
           <a:p>
             <a:r>
-              <a:rPr lang="fr-FR" dirty="0" smtClean="0"/>
+              <a:rPr lang="fr-FR" dirty="0"/>
               <a:t>Hugo </a:t>
             </a:r>
             <a:r>
-              <a:rPr lang="fr-FR" dirty="0" err="1" smtClean="0"/>
+              <a:rPr lang="fr-FR" dirty="0" err="1"/>
               <a:t>Vandenbossche</a:t>
             </a:r>
-            <a:endParaRPr lang="fr-FR" dirty="0" smtClean="0"/>
-          </a:p>
-          <a:p>
-            <a:r>
-              <a:rPr lang="fr-FR" dirty="0" smtClean="0"/>
-              <a:t>Serina </a:t>
-            </a:r>
-            <a:r>
-              <a:rPr lang="fr-FR" dirty="0" err="1" smtClean="0"/>
-              <a:t>Chem</a:t>
-            </a:r>
             <a:endParaRPr lang="fr-FR" dirty="0"/>
+          </a:p>
+          <a:p>
+            <a:r>
+              <a:rPr lang="fr-FR" dirty="0"/>
+              <a:t>Serina Chhem</a:t>
+            </a:r>
           </a:p>
         </p:txBody>
       </p:sp>
@@ -3706,7 +3700,7 @@
           <a:lstStyle/>
           <a:p>
             <a:r>
-              <a:rPr lang="fr-FR" smtClean="0"/>
+              <a:rPr lang="fr-FR"/>
               <a:t>TD05</a:t>
             </a:r>
             <a:endParaRPr lang="fr-FR" dirty="0"/>
@@ -3766,10 +3760,9 @@
           <a:lstStyle/>
           <a:p>
             <a:r>
-              <a:rPr lang="fr-FR" sz="4000" cap="none" dirty="0" smtClean="0"/>
+              <a:rPr lang="fr-FR" sz="4000" cap="none" dirty="0"/>
               <a:t>SOMMAIRE</a:t>
             </a:r>
-            <a:endParaRPr lang="fr-FR" sz="4000" cap="none" dirty="0"/>
           </a:p>
         </p:txBody>
       </p:sp>
@@ -3833,7 +3826,7 @@
               <a:defRPr/>
             </a:pPr>
             <a:r>
-              <a:rPr lang="fr-FR" sz="3500" dirty="0" smtClean="0"/>
+              <a:rPr lang="fr-FR" sz="3500" dirty="0"/>
               <a:t>I - Diagramme de Classe</a:t>
             </a:r>
           </a:p>
@@ -3856,7 +3849,7 @@
               <a:defRPr/>
             </a:pPr>
             <a:r>
-              <a:rPr lang="fr-FR" sz="3500" dirty="0" smtClean="0"/>
+              <a:rPr lang="fr-FR" sz="3500" dirty="0"/>
               <a:t>II - Conception Technique</a:t>
             </a:r>
           </a:p>
@@ -3879,16 +3872,8 @@
               <a:defRPr/>
             </a:pPr>
             <a:r>
-              <a:rPr lang="fr-FR" sz="3500" dirty="0" smtClean="0"/>
-              <a:t>III - Maquette de l’Interface </a:t>
-            </a:r>
-            <a:r>
               <a:rPr lang="fr-FR" sz="3500" dirty="0"/>
-              <a:t>G</a:t>
-            </a:r>
-            <a:r>
-              <a:rPr lang="fr-FR" sz="3500" dirty="0" smtClean="0"/>
-              <a:t>raphique</a:t>
+              <a:t>III - Maquette de l’Interface Graphique</a:t>
             </a:r>
           </a:p>
           <a:p>
@@ -3910,15 +3895,15 @@
               <a:defRPr/>
             </a:pPr>
             <a:r>
-              <a:rPr lang="fr-FR" sz="3500" dirty="0" smtClean="0"/>
+              <a:rPr lang="fr-FR" sz="3500" dirty="0"/>
               <a:t>IV - </a:t>
             </a:r>
             <a:r>
-              <a:rPr lang="fr-FR" sz="3500" dirty="0" err="1" smtClean="0"/>
+              <a:rPr lang="fr-FR" sz="3500" dirty="0" err="1"/>
               <a:t>Versionning</a:t>
             </a:r>
             <a:r>
-              <a:rPr lang="fr-FR" sz="3500" dirty="0" smtClean="0"/>
+              <a:rPr lang="fr-FR" sz="3500" dirty="0"/>
               <a:t> Git</a:t>
             </a:r>
           </a:p>
@@ -3940,7 +3925,7 @@
               <a:tabLst/>
               <a:defRPr/>
             </a:pPr>
-            <a:endParaRPr lang="fr-FR" sz="3500" dirty="0" smtClean="0"/>
+            <a:endParaRPr lang="fr-FR" sz="3500" dirty="0"/>
           </a:p>
           <a:p>
             <a:pPr marL="0" marR="0" lvl="0" indent="0" defTabSz="914400" eaLnBrk="1" fontAlgn="auto" latinLnBrk="0" hangingPunct="1">
@@ -3961,7 +3946,7 @@
               <a:defRPr/>
             </a:pPr>
             <a:r>
-              <a:rPr lang="fr-FR" sz="3500" dirty="0" smtClean="0"/>
+              <a:rPr lang="fr-FR" sz="3500" dirty="0"/>
               <a:t>Bilan Individuel, Collectif et Sources</a:t>
             </a:r>
           </a:p>
@@ -3983,7 +3968,7 @@
               <a:tabLst/>
               <a:defRPr/>
             </a:pPr>
-            <a:endParaRPr lang="fr-FR" dirty="0" smtClean="0"/>
+            <a:endParaRPr lang="fr-FR" dirty="0"/>
           </a:p>
           <a:p>
             <a:pPr marL="0" marR="0" lvl="0" indent="0" defTabSz="914400" eaLnBrk="1" fontAlgn="auto" latinLnBrk="0" hangingPunct="1">
@@ -4003,7 +3988,7 @@
               <a:tabLst/>
               <a:defRPr/>
             </a:pPr>
-            <a:endParaRPr lang="fr-FR" dirty="0" smtClean="0"/>
+            <a:endParaRPr lang="fr-FR" dirty="0"/>
           </a:p>
           <a:p>
             <a:pPr marL="0" marR="0" lvl="0" indent="0" defTabSz="914400" eaLnBrk="1" fontAlgn="auto" latinLnBrk="0" hangingPunct="1">
@@ -4043,7 +4028,7 @@
               <a:tabLst/>
               <a:defRPr/>
             </a:pPr>
-            <a:endParaRPr lang="fr-FR" dirty="0" smtClean="0"/>
+            <a:endParaRPr lang="fr-FR" dirty="0"/>
           </a:p>
           <a:p>
             <a:pPr marL="0" marR="0" lvl="0" indent="0" defTabSz="914400" eaLnBrk="1" fontAlgn="auto" latinLnBrk="0" hangingPunct="1">
@@ -4083,7 +4068,7 @@
               <a:tabLst/>
               <a:defRPr/>
             </a:pPr>
-            <a:endParaRPr lang="fr-FR" dirty="0" smtClean="0"/>
+            <a:endParaRPr lang="fr-FR" dirty="0"/>
           </a:p>
           <a:p>
             <a:pPr marL="0" marR="0" lvl="0" indent="0" defTabSz="914400" eaLnBrk="1" fontAlgn="auto" latinLnBrk="0" hangingPunct="1">
@@ -4123,7 +4108,7 @@
               <a:tabLst/>
               <a:defRPr/>
             </a:pPr>
-            <a:endParaRPr lang="fr-FR" dirty="0" smtClean="0"/>
+            <a:endParaRPr lang="fr-FR" dirty="0"/>
           </a:p>
           <a:p>
             <a:pPr marL="0" marR="0" lvl="0" indent="0" defTabSz="914400" eaLnBrk="1" fontAlgn="auto" latinLnBrk="0" hangingPunct="1">
@@ -4321,7 +4306,7 @@
           <a:p>
             <a:pPr algn="ctr"/>
             <a:r>
-              <a:rPr lang="fr-FR" dirty="0" err="1" smtClean="0"/>
+              <a:rPr lang="fr-FR" dirty="0" err="1"/>
               <a:t>Eleves</a:t>
             </a:r>
             <a:endParaRPr lang="fr-FR" dirty="0"/>
@@ -4352,10 +4337,9 @@
           <a:p>
             <a:pPr algn="ctr"/>
             <a:r>
-              <a:rPr lang="fr-FR" dirty="0" smtClean="0"/>
+              <a:rPr lang="fr-FR" dirty="0"/>
               <a:t>Disciplines</a:t>
             </a:r>
-            <a:endParaRPr lang="fr-FR" dirty="0"/>
           </a:p>
         </p:txBody>
       </p:sp>
@@ -4383,10 +4367,9 @@
           <a:p>
             <a:pPr algn="ctr"/>
             <a:r>
-              <a:rPr lang="fr-FR" dirty="0" smtClean="0"/>
+              <a:rPr lang="fr-FR" dirty="0"/>
               <a:t>Enseignants</a:t>
             </a:r>
-            <a:endParaRPr lang="fr-FR" dirty="0"/>
           </a:p>
         </p:txBody>
       </p:sp>
@@ -4414,11 +4397,11 @@
           <a:p>
             <a:pPr algn="ctr"/>
             <a:r>
-              <a:rPr lang="fr-FR" dirty="0" smtClean="0"/>
+              <a:rPr lang="fr-FR" dirty="0"/>
               <a:t>Choisissez la Catégorie dans laquelle </a:t>
             </a:r>
             <a:r>
-              <a:rPr lang="fr-FR" smtClean="0"/>
+              <a:rPr lang="fr-FR"/>
               <a:t>vous voulez Naviguer</a:t>
             </a:r>
             <a:endParaRPr lang="fr-FR" dirty="0"/>
@@ -4479,10 +4462,9 @@
           <a:p>
             <a:pPr algn="ctr"/>
             <a:r>
-              <a:rPr lang="fr-FR" sz="3600" dirty="0" smtClean="0"/>
+              <a:rPr lang="fr-FR" sz="3600" dirty="0"/>
               <a:t>Liste Elèves</a:t>
             </a:r>
-            <a:endParaRPr lang="fr-FR" sz="3600" dirty="0"/>
           </a:p>
         </p:txBody>
       </p:sp>
@@ -4554,7 +4536,7 @@
               <a:buChar char="-"/>
             </a:pPr>
             <a:r>
-              <a:rPr lang="fr-FR" dirty="0" smtClean="0"/>
+              <a:rPr lang="fr-FR" dirty="0"/>
               <a:t>Pierre Dupont			Terminale</a:t>
             </a:r>
           </a:p>
@@ -4571,15 +4553,15 @@
               <a:buChar char="-"/>
             </a:pPr>
             <a:r>
-              <a:rPr lang="fr-FR" dirty="0" smtClean="0"/>
+              <a:rPr lang="fr-FR" dirty="0"/>
               <a:t>Marine </a:t>
             </a:r>
             <a:r>
-              <a:rPr lang="fr-FR" dirty="0" err="1" smtClean="0"/>
+              <a:rPr lang="fr-FR" dirty="0" err="1"/>
               <a:t>Bramart</a:t>
             </a:r>
             <a:r>
-              <a:rPr lang="fr-FR" dirty="0" smtClean="0"/>
+              <a:rPr lang="fr-FR" dirty="0"/>
               <a:t>			Sixième</a:t>
             </a:r>
           </a:p>
@@ -4596,15 +4578,15 @@
               <a:buChar char="-"/>
             </a:pPr>
             <a:r>
-              <a:rPr lang="fr-FR" dirty="0" smtClean="0"/>
+              <a:rPr lang="fr-FR" dirty="0"/>
               <a:t>Francis </a:t>
             </a:r>
             <a:r>
-              <a:rPr lang="fr-FR" dirty="0" err="1" smtClean="0"/>
+              <a:rPr lang="fr-FR" dirty="0" err="1"/>
               <a:t>Pelous</a:t>
             </a:r>
             <a:r>
-              <a:rPr lang="fr-FR" dirty="0" smtClean="0"/>
+              <a:rPr lang="fr-FR" dirty="0"/>
               <a:t>			Seconde</a:t>
             </a:r>
           </a:p>
@@ -4621,15 +4603,15 @@
               <a:buChar char="-"/>
             </a:pPr>
             <a:r>
-              <a:rPr lang="fr-FR" dirty="0" smtClean="0"/>
+              <a:rPr lang="fr-FR" dirty="0"/>
               <a:t>Noel </a:t>
             </a:r>
             <a:r>
-              <a:rPr lang="fr-FR" dirty="0" err="1" smtClean="0"/>
+              <a:rPr lang="fr-FR" dirty="0" err="1"/>
               <a:t>Flantier</a:t>
             </a:r>
             <a:r>
-              <a:rPr lang="fr-FR" dirty="0" smtClean="0"/>
+              <a:rPr lang="fr-FR" dirty="0"/>
               <a:t>			Terminale</a:t>
             </a:r>
           </a:p>
@@ -4646,7 +4628,7 @@
               <a:buChar char="-"/>
             </a:pPr>
             <a:r>
-              <a:rPr lang="fr-FR" dirty="0" smtClean="0"/>
+              <a:rPr lang="fr-FR" dirty="0"/>
               <a:t>Yacine Lauda			Quatrième</a:t>
             </a:r>
           </a:p>
@@ -4663,15 +4645,15 @@
               <a:buChar char="-"/>
             </a:pPr>
             <a:r>
-              <a:rPr lang="fr-FR" dirty="0" smtClean="0"/>
+              <a:rPr lang="fr-FR" dirty="0"/>
               <a:t>Tamara </a:t>
             </a:r>
             <a:r>
-              <a:rPr lang="fr-FR" dirty="0" err="1" smtClean="0"/>
+              <a:rPr lang="fr-FR" dirty="0" err="1"/>
               <a:t>Ngoty</a:t>
             </a:r>
             <a:r>
-              <a:rPr lang="fr-FR" dirty="0" smtClean="0"/>
+              <a:rPr lang="fr-FR" dirty="0"/>
               <a:t>			Troisième</a:t>
             </a:r>
           </a:p>
@@ -4688,10 +4670,9 @@
               <a:buChar char="-"/>
             </a:pPr>
             <a:r>
-              <a:rPr lang="fr-FR" dirty="0" smtClean="0"/>
+              <a:rPr lang="fr-FR" dirty="0"/>
               <a:t>Lucienne Floc			Cinquième</a:t>
             </a:r>
-            <a:endParaRPr lang="fr-FR" dirty="0"/>
           </a:p>
         </p:txBody>
       </p:sp>
@@ -4719,11 +4700,11 @@
           <a:p>
             <a:pPr algn="ctr"/>
             <a:r>
-              <a:rPr lang="fr-FR" sz="1400" dirty="0" smtClean="0"/>
+              <a:rPr lang="fr-FR" sz="1400" dirty="0"/>
               <a:t>Ajouter </a:t>
             </a:r>
             <a:r>
-              <a:rPr lang="fr-FR" sz="1400" dirty="0" err="1" smtClean="0"/>
+              <a:rPr lang="fr-FR" sz="1400" dirty="0" err="1"/>
               <a:t>Eleves</a:t>
             </a:r>
             <a:endParaRPr lang="fr-FR" sz="1400" dirty="0"/>
@@ -4784,10 +4765,9 @@
           <a:p>
             <a:pPr algn="ctr"/>
             <a:r>
-              <a:rPr lang="fr-FR" sz="4000" dirty="0" smtClean="0"/>
+              <a:rPr lang="fr-FR" sz="4000" dirty="0"/>
               <a:t>Fiche Elève</a:t>
             </a:r>
-            <a:endParaRPr lang="fr-FR" sz="4000" dirty="0"/>
           </a:p>
         </p:txBody>
       </p:sp>
@@ -4815,11 +4795,11 @@
           <a:p>
             <a:pPr algn="ctr"/>
             <a:r>
-              <a:rPr lang="fr-FR" sz="2400" dirty="0" smtClean="0"/>
+              <a:rPr lang="fr-FR" sz="2400" dirty="0"/>
               <a:t>Noel </a:t>
             </a:r>
             <a:r>
-              <a:rPr lang="fr-FR" sz="2400" dirty="0" err="1" smtClean="0"/>
+              <a:rPr lang="fr-FR" sz="2400" dirty="0" err="1"/>
               <a:t>Flantier</a:t>
             </a:r>
             <a:endParaRPr lang="fr-FR" sz="2400" dirty="0"/>
@@ -4930,10 +4910,9 @@
           <a:p>
             <a:pPr algn="ctr"/>
             <a:r>
-              <a:rPr lang="fr-FR" sz="2000" dirty="0" smtClean="0"/>
+              <a:rPr lang="fr-FR" sz="2000" dirty="0"/>
               <a:t>Modifier Elève</a:t>
             </a:r>
-            <a:endParaRPr lang="fr-FR" sz="2000" dirty="0"/>
           </a:p>
         </p:txBody>
       </p:sp>
@@ -4961,10 +4940,9 @@
           <a:p>
             <a:pPr algn="ctr"/>
             <a:r>
-              <a:rPr lang="fr-FR" sz="2000" dirty="0" smtClean="0"/>
+              <a:rPr lang="fr-FR" sz="2000" dirty="0"/>
               <a:t>Supprimer Elève</a:t>
             </a:r>
-            <a:endParaRPr lang="fr-FR" sz="2000" dirty="0"/>
           </a:p>
         </p:txBody>
       </p:sp>
@@ -4991,7 +4969,7 @@
           <a:lstStyle/>
           <a:p>
             <a:r>
-              <a:rPr lang="fr-FR" dirty="0" smtClean="0"/>
+              <a:rPr lang="fr-FR" dirty="0"/>
               <a:t>-   Elève de Terminale</a:t>
             </a:r>
           </a:p>
@@ -5004,23 +4982,23 @@
               <a:buChar char="-"/>
             </a:pPr>
             <a:r>
-              <a:rPr lang="fr-FR" dirty="0" smtClean="0"/>
+              <a:rPr lang="fr-FR" dirty="0"/>
               <a:t>En cours avec Mme </a:t>
             </a:r>
             <a:r>
-              <a:rPr lang="fr-FR" dirty="0" err="1" smtClean="0"/>
+              <a:rPr lang="fr-FR" dirty="0" err="1"/>
               <a:t>Tran</a:t>
             </a:r>
             <a:r>
-              <a:rPr lang="fr-FR" dirty="0" smtClean="0"/>
+              <a:rPr lang="fr-FR" dirty="0"/>
               <a:t>,  Mr </a:t>
             </a:r>
             <a:r>
-              <a:rPr lang="fr-FR" dirty="0" err="1" smtClean="0"/>
+              <a:rPr lang="fr-FR" dirty="0" err="1"/>
               <a:t>Dloche</a:t>
             </a:r>
             <a:r>
-              <a:rPr lang="fr-FR" dirty="0" smtClean="0"/>
+              <a:rPr lang="fr-FR" dirty="0"/>
               <a:t>, Mme Jones</a:t>
             </a:r>
           </a:p>
@@ -5067,7 +5045,7 @@
               <a:buChar char="-"/>
             </a:pPr>
             <a:r>
-              <a:rPr lang="fr-FR" dirty="0" smtClean="0"/>
+              <a:rPr lang="fr-FR" dirty="0"/>
               <a:t>Bulletin du Semestre 1</a:t>
             </a:r>
           </a:p>
@@ -5084,7 +5062,7 @@
               <a:buChar char="-"/>
             </a:pPr>
             <a:r>
-              <a:rPr lang="fr-FR" dirty="0" smtClean="0"/>
+              <a:rPr lang="fr-FR" dirty="0"/>
               <a:t>Bulletin du Semestre 2</a:t>
             </a:r>
           </a:p>
@@ -5101,10 +5079,9 @@
               <a:buChar char="-"/>
             </a:pPr>
             <a:r>
-              <a:rPr lang="fr-FR" dirty="0" smtClean="0"/>
+              <a:rPr lang="fr-FR" dirty="0"/>
               <a:t>Bulletin du Semestre 3</a:t>
             </a:r>
-            <a:endParaRPr lang="fr-FR" dirty="0"/>
           </a:p>
           <a:p>
             <a:pPr marL="285750" indent="-285750">
@@ -5209,10 +5186,9 @@
           <a:p>
             <a:pPr algn="ctr"/>
             <a:r>
-              <a:rPr lang="fr-FR" sz="3600" dirty="0" smtClean="0"/>
+              <a:rPr lang="fr-FR" sz="3600" dirty="0"/>
               <a:t>Liste Enseignants</a:t>
             </a:r>
-            <a:endParaRPr lang="fr-FR" sz="3600" dirty="0"/>
           </a:p>
         </p:txBody>
       </p:sp>
@@ -5284,7 +5260,7 @@
               <a:buChar char="-"/>
             </a:pPr>
             <a:r>
-              <a:rPr lang="fr-FR" dirty="0" smtClean="0"/>
+              <a:rPr lang="fr-FR" dirty="0"/>
               <a:t>Mme Jones			Mathématiques</a:t>
             </a:r>
           </a:p>
@@ -5301,15 +5277,15 @@
               <a:buChar char="-"/>
             </a:pPr>
             <a:r>
-              <a:rPr lang="fr-FR" dirty="0" smtClean="0"/>
+              <a:rPr lang="fr-FR" dirty="0"/>
               <a:t>Mr </a:t>
             </a:r>
             <a:r>
-              <a:rPr lang="fr-FR" dirty="0" err="1" smtClean="0"/>
+              <a:rPr lang="fr-FR" dirty="0" err="1"/>
               <a:t>Dloche</a:t>
             </a:r>
             <a:r>
-              <a:rPr lang="fr-FR" dirty="0" smtClean="0"/>
+              <a:rPr lang="fr-FR" dirty="0"/>
               <a:t>			Physique</a:t>
             </a:r>
           </a:p>
@@ -5326,15 +5302,15 @@
               <a:buChar char="-"/>
             </a:pPr>
             <a:r>
-              <a:rPr lang="fr-FR" dirty="0" smtClean="0"/>
+              <a:rPr lang="fr-FR" dirty="0"/>
               <a:t>Mme </a:t>
             </a:r>
             <a:r>
-              <a:rPr lang="fr-FR" dirty="0" err="1" smtClean="0"/>
+              <a:rPr lang="fr-FR" dirty="0" err="1"/>
               <a:t>Tran</a:t>
             </a:r>
             <a:r>
-              <a:rPr lang="fr-FR" dirty="0" smtClean="0"/>
+              <a:rPr lang="fr-FR" dirty="0"/>
               <a:t>			S.V.T</a:t>
             </a:r>
           </a:p>
@@ -5351,15 +5327,15 @@
               <a:buChar char="-"/>
             </a:pPr>
             <a:r>
-              <a:rPr lang="fr-FR" dirty="0" smtClean="0"/>
+              <a:rPr lang="fr-FR" dirty="0"/>
               <a:t>Mr </a:t>
             </a:r>
             <a:r>
-              <a:rPr lang="fr-FR" dirty="0" err="1" smtClean="0"/>
+              <a:rPr lang="fr-FR" dirty="0" err="1"/>
               <a:t>Bouchereau</a:t>
             </a:r>
             <a:r>
-              <a:rPr lang="fr-FR" dirty="0" smtClean="0"/>
+              <a:rPr lang="fr-FR" dirty="0"/>
               <a:t>			Anglais</a:t>
             </a:r>
           </a:p>
@@ -5376,7 +5352,7 @@
               <a:buChar char="-"/>
             </a:pPr>
             <a:r>
-              <a:rPr lang="fr-FR" dirty="0" smtClean="0"/>
+              <a:rPr lang="fr-FR" dirty="0"/>
               <a:t>Mme Roi			Espagnol</a:t>
             </a:r>
           </a:p>
@@ -5393,7 +5369,7 @@
               <a:buChar char="-"/>
             </a:pPr>
             <a:r>
-              <a:rPr lang="fr-FR" dirty="0" smtClean="0"/>
+              <a:rPr lang="fr-FR" dirty="0"/>
               <a:t>Mr Clair			Philosophie</a:t>
             </a:r>
           </a:p>
@@ -5410,18 +5386,17 @@
               <a:buChar char="-"/>
             </a:pPr>
             <a:r>
-              <a:rPr lang="fr-FR" dirty="0" smtClean="0"/>
+              <a:rPr lang="fr-FR" dirty="0"/>
               <a:t>Mme </a:t>
             </a:r>
             <a:r>
-              <a:rPr lang="fr-FR" dirty="0" err="1" smtClean="0"/>
+              <a:rPr lang="fr-FR" dirty="0" err="1"/>
               <a:t>Letellier</a:t>
             </a:r>
             <a:r>
-              <a:rPr lang="fr-FR" dirty="0" smtClean="0"/>
+              <a:rPr lang="fr-FR" dirty="0"/>
               <a:t>			Histoire</a:t>
             </a:r>
-            <a:endParaRPr lang="fr-FR" dirty="0"/>
           </a:p>
         </p:txBody>
       </p:sp>
@@ -5449,10 +5424,9 @@
           <a:p>
             <a:pPr algn="ctr"/>
             <a:r>
-              <a:rPr lang="fr-FR" sz="1400" dirty="0" smtClean="0"/>
+              <a:rPr lang="fr-FR" sz="1400" dirty="0"/>
               <a:t>Ajouter Enseignants</a:t>
             </a:r>
-            <a:endParaRPr lang="fr-FR" sz="1400" dirty="0"/>
           </a:p>
         </p:txBody>
       </p:sp>
@@ -5510,10 +5484,9 @@
           <a:p>
             <a:pPr algn="ctr"/>
             <a:r>
-              <a:rPr lang="fr-FR" sz="4000" dirty="0" smtClean="0"/>
+              <a:rPr lang="fr-FR" sz="4000" dirty="0"/>
               <a:t>Fiche Enseignants</a:t>
             </a:r>
-            <a:endParaRPr lang="fr-FR" sz="4000" dirty="0"/>
           </a:p>
         </p:txBody>
       </p:sp>
@@ -5541,11 +5514,11 @@
           <a:p>
             <a:pPr algn="ctr"/>
             <a:r>
-              <a:rPr lang="fr-FR" sz="2400" dirty="0" smtClean="0"/>
+              <a:rPr lang="fr-FR" sz="2400" dirty="0"/>
               <a:t>Mr </a:t>
             </a:r>
             <a:r>
-              <a:rPr lang="fr-FR" sz="2400" dirty="0" err="1" smtClean="0"/>
+              <a:rPr lang="fr-FR" sz="2400" dirty="0" err="1"/>
               <a:t>Bouchereau</a:t>
             </a:r>
             <a:endParaRPr lang="fr-FR" sz="2400" dirty="0"/>
@@ -5656,10 +5629,9 @@
           <a:p>
             <a:pPr algn="ctr"/>
             <a:r>
-              <a:rPr lang="fr-FR" sz="2000" dirty="0" smtClean="0"/>
+              <a:rPr lang="fr-FR" sz="2000" dirty="0"/>
               <a:t>Modifier Enseignant</a:t>
             </a:r>
-            <a:endParaRPr lang="fr-FR" sz="2000" dirty="0"/>
           </a:p>
         </p:txBody>
       </p:sp>
@@ -5687,10 +5659,9 @@
           <a:p>
             <a:pPr algn="ctr"/>
             <a:r>
-              <a:rPr lang="fr-FR" sz="2000" dirty="0" smtClean="0"/>
+              <a:rPr lang="fr-FR" sz="2000" dirty="0"/>
               <a:t>Supprimer Enseignant</a:t>
             </a:r>
-            <a:endParaRPr lang="fr-FR" sz="2000" dirty="0"/>
           </a:p>
         </p:txBody>
       </p:sp>
@@ -5717,7 +5688,7 @@
           <a:lstStyle/>
           <a:p>
             <a:r>
-              <a:rPr lang="fr-FR" dirty="0" smtClean="0"/>
+              <a:rPr lang="fr-FR" dirty="0"/>
               <a:t>-   Professeur d’Anglais</a:t>
             </a:r>
           </a:p>
@@ -5730,7 +5701,7 @@
               <a:buChar char="-"/>
             </a:pPr>
             <a:r>
-              <a:rPr lang="fr-FR" dirty="0" smtClean="0"/>
+              <a:rPr lang="fr-FR" dirty="0"/>
               <a:t>En poste depuis 8 ans</a:t>
             </a:r>
           </a:p>
@@ -5747,10 +5718,9 @@
               <a:buChar char="-"/>
             </a:pPr>
             <a:r>
-              <a:rPr lang="fr-FR" dirty="0" smtClean="0"/>
+              <a:rPr lang="fr-FR" dirty="0"/>
               <a:t>Emploi du Temps</a:t>
             </a:r>
-            <a:endParaRPr lang="fr-FR" dirty="0"/>
           </a:p>
           <a:p>
             <a:pPr marL="285750" indent="-285750">
@@ -5788,7 +5758,7 @@
               <a:buChar char="-"/>
             </a:pPr>
             <a:r>
-              <a:rPr lang="fr-FR" dirty="0" smtClean="0"/>
+              <a:rPr lang="fr-FR" dirty="0"/>
               <a:t>Bulletin Terminale</a:t>
             </a:r>
           </a:p>
@@ -5805,7 +5775,7 @@
               <a:buChar char="-"/>
             </a:pPr>
             <a:r>
-              <a:rPr lang="fr-FR" dirty="0" smtClean="0"/>
+              <a:rPr lang="fr-FR" dirty="0"/>
               <a:t>Bulletin Seconde</a:t>
             </a:r>
           </a:p>
@@ -5822,10 +5792,9 @@
               <a:buChar char="-"/>
             </a:pPr>
             <a:r>
-              <a:rPr lang="fr-FR" dirty="0" smtClean="0"/>
+              <a:rPr lang="fr-FR" dirty="0"/>
               <a:t>Bulletin Quatrième</a:t>
             </a:r>
-            <a:endParaRPr lang="fr-FR" dirty="0"/>
           </a:p>
           <a:p>
             <a:pPr marL="285750" indent="-285750">
